--- a/projectDescription.pptx
+++ b/projectDescription.pptx
@@ -3056,16 +3056,15 @@
           </p:cNvPicPr>
           <p:nvPr/>
         </p:nvPicPr>
-        <p:blipFill>
+        <p:blipFill rotWithShape="1">
           <a:blip r:embed="rId2"/>
-          <a:stretch>
-            <a:fillRect/>
-          </a:stretch>
+          <a:srcRect b="46276"/>
+          <a:stretch/>
         </p:blipFill>
         <p:spPr>
           <a:xfrm>
-            <a:off x="3887931" y="1639166"/>
-            <a:ext cx="6743700" cy="2914650"/>
+            <a:off x="3832513" y="549275"/>
+            <a:ext cx="6743700" cy="1565852"/>
           </a:xfrm>
           <a:prstGeom prst="rect">
             <a:avLst/>
@@ -3080,7 +3079,7 @@
         </p:nvSpPr>
         <p:spPr>
           <a:xfrm>
-            <a:off x="4267200" y="2610279"/>
+            <a:off x="4211782" y="1520388"/>
             <a:ext cx="2022763" cy="430794"/>
           </a:xfrm>
           <a:prstGeom prst="rect">
@@ -3128,7 +3127,7 @@
         </p:nvSpPr>
         <p:spPr>
           <a:xfrm>
-            <a:off x="1313410" y="2103120"/>
+            <a:off x="1257992" y="1013229"/>
             <a:ext cx="4422371" cy="369332"/>
           </a:xfrm>
           <a:prstGeom prst="rect">
@@ -3145,36 +3144,6 @@
             <a:r>
               <a:rPr lang="en-GB" dirty="0" smtClean="0"/>
               <a:t>Dynamic equations</a:t>
-            </a:r>
-            <a:endParaRPr lang="en-GB" dirty="0"/>
-          </a:p>
-        </p:txBody>
-      </p:sp>
-      <p:sp>
-        <p:nvSpPr>
-          <p:cNvPr id="37" name="TextBox 36"/>
-          <p:cNvSpPr txBox="1"/>
-          <p:nvPr/>
-        </p:nvSpPr>
-        <p:spPr>
-          <a:xfrm>
-            <a:off x="3887931" y="3649287"/>
-            <a:ext cx="4422371" cy="369332"/>
-          </a:xfrm>
-          <a:prstGeom prst="rect">
-            <a:avLst/>
-          </a:prstGeom>
-          <a:noFill/>
-        </p:spPr>
-        <p:txBody>
-          <a:bodyPr wrap="square" rtlCol="0">
-            <a:spAutoFit/>
-          </a:bodyPr>
-          <a:lstStyle/>
-          <a:p>
-            <a:r>
-              <a:rPr lang="en-GB" dirty="0" smtClean="0"/>
-              <a:t>Steady state equation</a:t>
             </a:r>
             <a:endParaRPr lang="en-GB" dirty="0"/>
           </a:p>
@@ -3203,7 +3172,7 @@
         </p:blipFill>
         <p:spPr bwMode="auto">
           <a:xfrm>
-            <a:off x="4354944" y="2679122"/>
+            <a:off x="4299526" y="1589231"/>
             <a:ext cx="2495550" cy="361951"/>
           </a:xfrm>
           <a:prstGeom prst="rect">
@@ -3229,7 +3198,7 @@
         </p:nvSpPr>
         <p:spPr>
           <a:xfrm>
-            <a:off x="8451274" y="2166198"/>
+            <a:off x="8395856" y="1076307"/>
             <a:ext cx="2062880" cy="306254"/>
           </a:xfrm>
           <a:prstGeom prst="rect">
@@ -3292,8 +3261,448 @@
         </p:blipFill>
         <p:spPr bwMode="auto">
           <a:xfrm>
-            <a:off x="8789987" y="2160865"/>
+            <a:off x="8734569" y="1070974"/>
             <a:ext cx="2076450" cy="409575"/>
+          </a:xfrm>
+          <a:prstGeom prst="rect">
+            <a:avLst/>
+          </a:prstGeom>
+          <a:noFill/>
+          <a:extLst>
+            <a:ext uri="{909E8E84-426E-40DD-AFC4-6F175D3DCCD1}">
+              <a14:hiddenFill xmlns:a14="http://schemas.microsoft.com/office/drawing/2010/main">
+                <a:solidFill>
+                  <a:srgbClr val="FFFFFF"/>
+                </a:solidFill>
+              </a14:hiddenFill>
+            </a:ext>
+          </a:extLst>
+        </p:spPr>
+      </p:pic>
+      <p:sp>
+        <p:nvSpPr>
+          <p:cNvPr id="10" name="TextBox 9"/>
+          <p:cNvSpPr txBox="1"/>
+          <p:nvPr/>
+        </p:nvSpPr>
+        <p:spPr>
+          <a:xfrm>
+            <a:off x="1124930" y="4065706"/>
+            <a:ext cx="4422371" cy="369332"/>
+          </a:xfrm>
+          <a:prstGeom prst="rect">
+            <a:avLst/>
+          </a:prstGeom>
+          <a:noFill/>
+        </p:spPr>
+        <p:txBody>
+          <a:bodyPr wrap="square" rtlCol="0">
+            <a:spAutoFit/>
+          </a:bodyPr>
+          <a:lstStyle/>
+          <a:p>
+            <a:r>
+              <a:rPr lang="en-GB" b="1" dirty="0" smtClean="0">
+                <a:solidFill>
+                  <a:srgbClr val="C00000"/>
+                </a:solidFill>
+              </a:rPr>
+              <a:t>Inputs: N,O,M,I</a:t>
+            </a:r>
+            <a:endParaRPr lang="en-GB" b="1" dirty="0">
+              <a:solidFill>
+                <a:srgbClr val="C00000"/>
+              </a:solidFill>
+            </a:endParaRPr>
+          </a:p>
+        </p:txBody>
+      </p:sp>
+      <p:sp>
+        <p:nvSpPr>
+          <p:cNvPr id="11" name="TextBox 10"/>
+          <p:cNvSpPr txBox="1"/>
+          <p:nvPr/>
+        </p:nvSpPr>
+        <p:spPr>
+          <a:xfrm>
+            <a:off x="1124929" y="4569517"/>
+            <a:ext cx="4422371" cy="369332"/>
+          </a:xfrm>
+          <a:prstGeom prst="rect">
+            <a:avLst/>
+          </a:prstGeom>
+          <a:noFill/>
+        </p:spPr>
+        <p:txBody>
+          <a:bodyPr wrap="square" rtlCol="0">
+            <a:spAutoFit/>
+          </a:bodyPr>
+          <a:lstStyle/>
+          <a:p>
+            <a:r>
+              <a:rPr lang="en-GB" b="1" dirty="0" smtClean="0">
+                <a:solidFill>
+                  <a:schemeClr val="accent6">
+                    <a:lumMod val="75000"/>
+                  </a:schemeClr>
+                </a:solidFill>
+              </a:rPr>
+              <a:t>Variables: </a:t>
+            </a:r>
+            <a:r>
+              <a:rPr lang="en-GB" b="1" dirty="0" err="1" smtClean="0">
+                <a:solidFill>
+                  <a:schemeClr val="accent6">
+                    <a:lumMod val="75000"/>
+                  </a:schemeClr>
+                </a:solidFill>
+              </a:rPr>
+              <a:t>T,tau,R,Pi</a:t>
+            </a:r>
+            <a:endParaRPr lang="en-GB" b="1" dirty="0">
+              <a:solidFill>
+                <a:schemeClr val="accent6">
+                  <a:lumMod val="75000"/>
+                </a:schemeClr>
+              </a:solidFill>
+            </a:endParaRPr>
+          </a:p>
+        </p:txBody>
+      </p:sp>
+      <p:sp>
+        <p:nvSpPr>
+          <p:cNvPr id="12" name="TextBox 11"/>
+          <p:cNvSpPr txBox="1"/>
+          <p:nvPr/>
+        </p:nvSpPr>
+        <p:spPr>
+          <a:xfrm>
+            <a:off x="1124929" y="5104714"/>
+            <a:ext cx="6328816" cy="646331"/>
+          </a:xfrm>
+          <a:prstGeom prst="rect">
+            <a:avLst/>
+          </a:prstGeom>
+          <a:noFill/>
+        </p:spPr>
+        <p:txBody>
+          <a:bodyPr wrap="square" rtlCol="0">
+            <a:spAutoFit/>
+          </a:bodyPr>
+          <a:lstStyle/>
+          <a:p>
+            <a:r>
+              <a:rPr lang="en-GB" b="1" dirty="0" smtClean="0">
+                <a:solidFill>
+                  <a:schemeClr val="accent4">
+                    <a:lumMod val="75000"/>
+                  </a:schemeClr>
+                </a:solidFill>
+              </a:rPr>
+              <a:t>Deducted values: </a:t>
+            </a:r>
+            <a:r>
+              <a:rPr lang="en-GB" b="1" dirty="0" err="1" smtClean="0">
+                <a:solidFill>
+                  <a:schemeClr val="accent4">
+                    <a:lumMod val="75000"/>
+                  </a:schemeClr>
+                </a:solidFill>
+              </a:rPr>
+              <a:t>Rstarved</a:t>
+            </a:r>
+            <a:r>
+              <a:rPr lang="en-GB" b="1" dirty="0">
+                <a:solidFill>
+                  <a:schemeClr val="accent4">
+                    <a:lumMod val="75000"/>
+                  </a:schemeClr>
+                </a:solidFill>
+              </a:rPr>
+              <a:t>, </a:t>
+            </a:r>
+            <a:r>
+              <a:rPr lang="en-GB" b="1" dirty="0" err="1">
+                <a:solidFill>
+                  <a:schemeClr val="accent4">
+                    <a:lumMod val="75000"/>
+                  </a:schemeClr>
+                </a:solidFill>
+              </a:rPr>
+              <a:t>RNA_protein</a:t>
+            </a:r>
+            <a:r>
+              <a:rPr lang="en-GB" b="1" dirty="0">
+                <a:solidFill>
+                  <a:schemeClr val="accent4">
+                    <a:lumMod val="75000"/>
+                  </a:schemeClr>
+                </a:solidFill>
+              </a:rPr>
+              <a:t> </a:t>
+            </a:r>
+            <a:r>
+              <a:rPr lang="en-GB" b="1" dirty="0" smtClean="0">
+                <a:solidFill>
+                  <a:schemeClr val="accent4">
+                    <a:lumMod val="75000"/>
+                  </a:schemeClr>
+                </a:solidFill>
+              </a:rPr>
+              <a:t>ratio, </a:t>
+            </a:r>
+            <a:r>
+              <a:rPr lang="en-GB" b="1" dirty="0">
+                <a:solidFill>
+                  <a:schemeClr val="accent4">
+                    <a:lumMod val="75000"/>
+                  </a:schemeClr>
+                </a:solidFill>
+              </a:rPr>
+              <a:t>ribosomal activity</a:t>
+            </a:r>
+          </a:p>
+          <a:p>
+            <a:endParaRPr lang="en-GB" b="1" dirty="0">
+              <a:solidFill>
+                <a:schemeClr val="accent4">
+                  <a:lumMod val="75000"/>
+                </a:schemeClr>
+              </a:solidFill>
+            </a:endParaRPr>
+          </a:p>
+        </p:txBody>
+      </p:sp>
+      <p:sp>
+        <p:nvSpPr>
+          <p:cNvPr id="13" name="TextBox 12"/>
+          <p:cNvSpPr txBox="1"/>
+          <p:nvPr/>
+        </p:nvSpPr>
+        <p:spPr>
+          <a:xfrm>
+            <a:off x="1124929" y="5566621"/>
+            <a:ext cx="6411944" cy="369332"/>
+          </a:xfrm>
+          <a:prstGeom prst="rect">
+            <a:avLst/>
+          </a:prstGeom>
+          <a:noFill/>
+        </p:spPr>
+        <p:txBody>
+          <a:bodyPr wrap="square" rtlCol="0">
+            <a:spAutoFit/>
+          </a:bodyPr>
+          <a:lstStyle/>
+          <a:p>
+            <a:r>
+              <a:rPr lang="en-GB" b="1" dirty="0" smtClean="0">
+                <a:solidFill>
+                  <a:schemeClr val="accent4">
+                    <a:lumMod val="75000"/>
+                  </a:schemeClr>
+                </a:solidFill>
+              </a:rPr>
+              <a:t>Rates: mu, gamma </a:t>
+            </a:r>
+            <a:endParaRPr lang="en-GB" b="1" dirty="0">
+              <a:solidFill>
+                <a:schemeClr val="accent4">
+                  <a:lumMod val="75000"/>
+                </a:schemeClr>
+              </a:solidFill>
+            </a:endParaRPr>
+          </a:p>
+        </p:txBody>
+      </p:sp>
+      <p:pic>
+        <p:nvPicPr>
+          <p:cNvPr id="1028" name="Picture 4" descr="https://latex.codecogs.com/gif.latex?%5Cfrac%7BRNA%7D%7Bprotein%7D%3D%5Cfrac%7BR&amp;plus;%5Cxi%20R%7D%7B1-R-%5Cxi%20R%7D"/>
+          <p:cNvPicPr>
+            <a:picLocks noChangeAspect="1" noChangeArrowheads="1"/>
+          </p:cNvPicPr>
+          <p:nvPr/>
+        </p:nvPicPr>
+        <p:blipFill>
+          <a:blip r:embed="rId5">
+            <a:extLst>
+              <a:ext uri="{28A0092B-C50C-407E-A947-70E740481C1C}">
+                <a14:useLocalDpi xmlns:a14="http://schemas.microsoft.com/office/drawing/2010/main" val="0"/>
+              </a:ext>
+            </a:extLst>
+          </a:blip>
+          <a:srcRect/>
+          <a:stretch>
+            <a:fillRect/>
+          </a:stretch>
+        </p:blipFill>
+        <p:spPr bwMode="auto">
+          <a:xfrm>
+            <a:off x="8395856" y="1870479"/>
+            <a:ext cx="1676400" cy="400050"/>
+          </a:xfrm>
+          <a:prstGeom prst="rect">
+            <a:avLst/>
+          </a:prstGeom>
+          <a:noFill/>
+          <a:extLst>
+            <a:ext uri="{909E8E84-426E-40DD-AFC4-6F175D3DCCD1}">
+              <a14:hiddenFill xmlns:a14="http://schemas.microsoft.com/office/drawing/2010/main">
+                <a:solidFill>
+                  <a:srgbClr val="FFFFFF"/>
+                </a:solidFill>
+              </a14:hiddenFill>
+            </a:ext>
+          </a:extLst>
+        </p:spPr>
+      </p:pic>
+      <p:sp>
+        <p:nvSpPr>
+          <p:cNvPr id="16" name="TextBox 15"/>
+          <p:cNvSpPr txBox="1"/>
+          <p:nvPr/>
+        </p:nvSpPr>
+        <p:spPr>
+          <a:xfrm>
+            <a:off x="1124929" y="6051389"/>
+            <a:ext cx="7843580" cy="369332"/>
+          </a:xfrm>
+          <a:prstGeom prst="rect">
+            <a:avLst/>
+          </a:prstGeom>
+          <a:noFill/>
+        </p:spPr>
+        <p:txBody>
+          <a:bodyPr wrap="square" rtlCol="0">
+            <a:spAutoFit/>
+          </a:bodyPr>
+          <a:lstStyle/>
+          <a:p>
+            <a:r>
+              <a:rPr lang="en-GB" b="1" dirty="0" smtClean="0">
+                <a:solidFill>
+                  <a:schemeClr val="accent4">
+                    <a:lumMod val="75000"/>
+                  </a:schemeClr>
+                </a:solidFill>
+              </a:rPr>
+              <a:t>Parameter: xi, R0, </a:t>
+            </a:r>
+            <a:r>
+              <a:rPr lang="en-GB" b="1" dirty="0" err="1" smtClean="0">
+                <a:solidFill>
+                  <a:schemeClr val="accent4">
+                    <a:lumMod val="75000"/>
+                  </a:schemeClr>
+                </a:solidFill>
+              </a:rPr>
+              <a:t>kPi</a:t>
+            </a:r>
+            <a:r>
+              <a:rPr lang="en-GB" b="1" dirty="0" err="1" smtClean="0">
+                <a:solidFill>
+                  <a:schemeClr val="accent4">
+                    <a:lumMod val="75000"/>
+                  </a:schemeClr>
+                </a:solidFill>
+              </a:rPr>
+              <a:t>_inhibits_R</a:t>
+            </a:r>
+            <a:r>
+              <a:rPr lang="en-GB" b="1" dirty="0" smtClean="0">
+                <a:solidFill>
+                  <a:schemeClr val="accent4">
+                    <a:lumMod val="75000"/>
+                  </a:schemeClr>
+                </a:solidFill>
+              </a:rPr>
+              <a:t>, Pi0, delta, </a:t>
+            </a:r>
+            <a:r>
+              <a:rPr lang="en-GB" b="1" dirty="0" err="1" smtClean="0">
+                <a:solidFill>
+                  <a:schemeClr val="accent4">
+                    <a:lumMod val="75000"/>
+                  </a:schemeClr>
+                </a:solidFill>
+              </a:rPr>
+              <a:t>Rmax</a:t>
+            </a:r>
+            <a:r>
+              <a:rPr lang="en-GB" b="1" dirty="0" smtClean="0">
+                <a:solidFill>
+                  <a:schemeClr val="accent4">
+                    <a:lumMod val="75000"/>
+                  </a:schemeClr>
+                </a:solidFill>
+              </a:rPr>
+              <a:t>, </a:t>
+            </a:r>
+            <a:r>
+              <a:rPr lang="en-GB" b="1" dirty="0" err="1" smtClean="0">
+                <a:solidFill>
+                  <a:schemeClr val="accent4">
+                    <a:lumMod val="75000"/>
+                  </a:schemeClr>
+                </a:solidFill>
+              </a:rPr>
+              <a:t>muMax</a:t>
+            </a:r>
+            <a:r>
+              <a:rPr lang="en-GB" b="1" dirty="0" smtClean="0">
+                <a:solidFill>
+                  <a:schemeClr val="accent4">
+                    <a:lumMod val="75000"/>
+                  </a:schemeClr>
+                </a:solidFill>
+              </a:rPr>
+              <a:t>, </a:t>
+            </a:r>
+            <a:r>
+              <a:rPr lang="en-GB" b="1" dirty="0" err="1" smtClean="0">
+                <a:solidFill>
+                  <a:schemeClr val="accent4">
+                    <a:lumMod val="75000"/>
+                  </a:schemeClr>
+                </a:solidFill>
+              </a:rPr>
+              <a:t>Rstarved</a:t>
+            </a:r>
+            <a:endParaRPr lang="en-GB" b="1" dirty="0">
+              <a:solidFill>
+                <a:schemeClr val="accent4">
+                  <a:lumMod val="75000"/>
+                </a:schemeClr>
+              </a:solidFill>
+            </a:endParaRPr>
+          </a:p>
+        </p:txBody>
+      </p:sp>
+      <p:pic>
+        <p:nvPicPr>
+          <p:cNvPr id="6" name="Picture 6" descr="https://latex.codecogs.com/gif.latex?R_%7Bactivity%7D%3D%5Cfrac%7BT%7D%7BT&amp;plus;k_%7BT%5Crightarrow%20%5Cmu%7D%7D"/>
+          <p:cNvPicPr>
+            <a:picLocks noChangeAspect="1" noChangeArrowheads="1"/>
+          </p:cNvPicPr>
+          <p:nvPr/>
+        </p:nvPicPr>
+        <p:blipFill>
+          <a:blip r:embed="rId6">
+            <a:extLst>
+              <a:ext uri="{28A0092B-C50C-407E-A947-70E740481C1C}">
+                <a14:useLocalDpi xmlns:a14="http://schemas.microsoft.com/office/drawing/2010/main" val="0"/>
+              </a:ext>
+            </a:extLst>
+          </a:blip>
+          <a:srcRect/>
+          <a:stretch>
+            <a:fillRect/>
+          </a:stretch>
+        </p:blipFill>
+        <p:spPr bwMode="auto">
+          <a:xfrm>
+            <a:off x="8395856" y="2455671"/>
+            <a:ext cx="1533525" cy="409575"/>
           </a:xfrm>
           <a:prstGeom prst="rect">
             <a:avLst/>
@@ -3377,90 +3786,252 @@
           </a:prstGeom>
         </p:spPr>
       </p:pic>
-      <p:sp>
-        <p:nvSpPr>
-          <p:cNvPr id="2" name="Oval 1"/>
-          <p:cNvSpPr/>
+      <p:pic>
+        <p:nvPicPr>
+          <p:cNvPr id="2050" name="Picture 2" descr="https://latex.codecogs.com/gif.latex?R_%7Bactivity%7D%3D%5Cfrac%7BT%7D%7BT&amp;plus;k_%7BT%5Crightarrow%20%5Cmu%7D%7D"/>
+          <p:cNvPicPr>
+            <a:picLocks noChangeAspect="1" noChangeArrowheads="1"/>
+          </p:cNvPicPr>
           <p:nvPr/>
-        </p:nvSpPr>
-        <p:spPr>
-          <a:xfrm rot="19340315">
-            <a:off x="3408218" y="5552901"/>
-            <a:ext cx="1064029" cy="507077"/>
-          </a:xfrm>
-          <a:prstGeom prst="ellipse">
-            <a:avLst/>
-          </a:prstGeom>
-          <a:noFill/>
-          <a:ln w="76200">
-            <a:solidFill>
-              <a:srgbClr val="0000FF"/>
-            </a:solidFill>
-          </a:ln>
-        </p:spPr>
-        <p:style>
-          <a:lnRef idx="2">
-            <a:schemeClr val="accent1">
-              <a:shade val="50000"/>
-            </a:schemeClr>
-          </a:lnRef>
-          <a:fillRef idx="1">
-            <a:schemeClr val="accent1"/>
-          </a:fillRef>
-          <a:effectRef idx="0">
-            <a:schemeClr val="accent1"/>
-          </a:effectRef>
-          <a:fontRef idx="minor">
-            <a:schemeClr val="lt1"/>
-          </a:fontRef>
-        </p:style>
-        <p:txBody>
-          <a:bodyPr rtlCol="0" anchor="ctr"/>
-          <a:lstStyle/>
-          <a:p>
-            <a:pPr algn="ctr"/>
-            <a:endParaRPr lang="en-GB"/>
-          </a:p>
-        </p:txBody>
-      </p:sp>
-      <p:sp>
-        <p:nvSpPr>
-          <p:cNvPr id="3" name="TextBox 2"/>
-          <p:cNvSpPr txBox="1"/>
-          <p:nvPr/>
-        </p:nvSpPr>
-        <p:spPr>
-          <a:xfrm rot="18512395">
-            <a:off x="3937720" y="4235399"/>
-            <a:ext cx="2641129" cy="338554"/>
+        </p:nvPicPr>
+        <p:blipFill>
+          <a:blip r:embed="rId3">
+            <a:extLst>
+              <a:ext uri="{28A0092B-C50C-407E-A947-70E740481C1C}">
+                <a14:useLocalDpi xmlns:a14="http://schemas.microsoft.com/office/drawing/2010/main" val="0"/>
+              </a:ext>
+            </a:extLst>
+          </a:blip>
+          <a:srcRect/>
+          <a:stretch>
+            <a:fillRect/>
+          </a:stretch>
+        </p:blipFill>
+        <p:spPr bwMode="auto">
+          <a:xfrm>
+            <a:off x="7803284" y="2155537"/>
+            <a:ext cx="1533525" cy="409575"/>
           </a:xfrm>
           <a:prstGeom prst="rect">
             <a:avLst/>
           </a:prstGeom>
           <a:noFill/>
-        </p:spPr>
-        <p:txBody>
-          <a:bodyPr wrap="square" rtlCol="0">
-            <a:spAutoFit/>
-          </a:bodyPr>
-          <a:lstStyle/>
-          <a:p>
-            <a:r>
-              <a:rPr lang="en-GB" sz="1600" b="1" dirty="0" smtClean="0">
-                <a:solidFill>
-                  <a:srgbClr val="0000FF"/>
-                </a:solidFill>
-              </a:rPr>
-              <a:t>Added Zhu et al.  2019 data</a:t>
-            </a:r>
-            <a:endParaRPr lang="en-GB" sz="1600" b="1" dirty="0">
-              <a:solidFill>
-                <a:srgbClr val="0000FF"/>
-              </a:solidFill>
-            </a:endParaRPr>
-          </a:p>
-        </p:txBody>
-      </p:sp>
+          <a:extLst>
+            <a:ext uri="{909E8E84-426E-40DD-AFC4-6F175D3DCCD1}">
+              <a14:hiddenFill xmlns:a14="http://schemas.microsoft.com/office/drawing/2010/main">
+                <a:solidFill>
+                  <a:srgbClr val="FFFFFF"/>
+                </a:solidFill>
+              </a14:hiddenFill>
+            </a:ext>
+          </a:extLst>
+        </p:spPr>
+      </p:pic>
+      <p:pic>
+        <p:nvPicPr>
+          <p:cNvPr id="6" name="Picture 4" descr="https://latex.codecogs.com/gif.latex?%5Cfrac%7BRNA%7D%7Bprotein%7D%3D%5Cfrac%7BR&amp;plus;%5Cxi%20R%7D%7B1-R-%5Cxi%20R%7D"/>
+          <p:cNvPicPr>
+            <a:picLocks noChangeAspect="1" noChangeArrowheads="1"/>
+          </p:cNvPicPr>
+          <p:nvPr/>
+        </p:nvPicPr>
+        <p:blipFill>
+          <a:blip r:embed="rId4">
+            <a:extLst>
+              <a:ext uri="{28A0092B-C50C-407E-A947-70E740481C1C}">
+                <a14:useLocalDpi xmlns:a14="http://schemas.microsoft.com/office/drawing/2010/main" val="0"/>
+              </a:ext>
+            </a:extLst>
+          </a:blip>
+          <a:srcRect/>
+          <a:stretch>
+            <a:fillRect/>
+          </a:stretch>
+        </p:blipFill>
+        <p:spPr bwMode="auto">
+          <a:xfrm>
+            <a:off x="1228437" y="1362479"/>
+            <a:ext cx="1676400" cy="400050"/>
+          </a:xfrm>
+          <a:prstGeom prst="rect">
+            <a:avLst/>
+          </a:prstGeom>
+          <a:noFill/>
+          <a:extLst>
+            <a:ext uri="{909E8E84-426E-40DD-AFC4-6F175D3DCCD1}">
+              <a14:hiddenFill xmlns:a14="http://schemas.microsoft.com/office/drawing/2010/main">
+                <a:solidFill>
+                  <a:srgbClr val="FFFFFF"/>
+                </a:solidFill>
+              </a14:hiddenFill>
+            </a:ext>
+          </a:extLst>
+        </p:spPr>
+      </p:pic>
+      <p:pic>
+        <p:nvPicPr>
+          <p:cNvPr id="2052" name="Picture 4" descr="https://latex.codecogs.com/gif.latex?%5CPi"/>
+          <p:cNvPicPr>
+            <a:picLocks noChangeAspect="1" noChangeArrowheads="1"/>
+          </p:cNvPicPr>
+          <p:nvPr/>
+        </p:nvPicPr>
+        <p:blipFill>
+          <a:blip r:embed="rId5">
+            <a:extLst>
+              <a:ext uri="{28A0092B-C50C-407E-A947-70E740481C1C}">
+                <a14:useLocalDpi xmlns:a14="http://schemas.microsoft.com/office/drawing/2010/main" val="0"/>
+              </a:ext>
+            </a:extLst>
+          </a:blip>
+          <a:srcRect/>
+          <a:stretch>
+            <a:fillRect/>
+          </a:stretch>
+        </p:blipFill>
+        <p:spPr bwMode="auto">
+          <a:xfrm>
+            <a:off x="1874982" y="4529290"/>
+            <a:ext cx="630387" cy="630387"/>
+          </a:xfrm>
+          <a:prstGeom prst="rect">
+            <a:avLst/>
+          </a:prstGeom>
+          <a:noFill/>
+          <a:extLst>
+            <a:ext uri="{909E8E84-426E-40DD-AFC4-6F175D3DCCD1}">
+              <a14:hiddenFill xmlns:a14="http://schemas.microsoft.com/office/drawing/2010/main">
+                <a:solidFill>
+                  <a:srgbClr val="FFFFFF"/>
+                </a:solidFill>
+              </a14:hiddenFill>
+            </a:ext>
+          </a:extLst>
+        </p:spPr>
+      </p:pic>
+      <p:pic>
+        <p:nvPicPr>
+          <p:cNvPr id="2054" name="Picture 6" descr="https://latex.codecogs.com/gif.latex?%5Cmu"/>
+          <p:cNvPicPr>
+            <a:picLocks noChangeAspect="1" noChangeArrowheads="1"/>
+          </p:cNvPicPr>
+          <p:nvPr/>
+        </p:nvPicPr>
+        <p:blipFill>
+          <a:blip r:embed="rId6">
+            <a:extLst>
+              <a:ext uri="{28A0092B-C50C-407E-A947-70E740481C1C}">
+                <a14:useLocalDpi xmlns:a14="http://schemas.microsoft.com/office/drawing/2010/main" val="0"/>
+              </a:ext>
+            </a:extLst>
+          </a:blip>
+          <a:srcRect/>
+          <a:stretch>
+            <a:fillRect/>
+          </a:stretch>
+        </p:blipFill>
+        <p:spPr bwMode="auto">
+          <a:xfrm>
+            <a:off x="3536094" y="3160859"/>
+            <a:ext cx="269288" cy="293768"/>
+          </a:xfrm>
+          <a:prstGeom prst="rect">
+            <a:avLst/>
+          </a:prstGeom>
+          <a:noFill/>
+          <a:extLst>
+            <a:ext uri="{909E8E84-426E-40DD-AFC4-6F175D3DCCD1}">
+              <a14:hiddenFill xmlns:a14="http://schemas.microsoft.com/office/drawing/2010/main">
+                <a:solidFill>
+                  <a:srgbClr val="FFFFFF"/>
+                </a:solidFill>
+              </a14:hiddenFill>
+            </a:ext>
+          </a:extLst>
+        </p:spPr>
+      </p:pic>
+      <p:pic>
+        <p:nvPicPr>
+          <p:cNvPr id="9" name="Picture 6" descr="https://latex.codecogs.com/gif.latex?%5Cmu"/>
+          <p:cNvPicPr>
+            <a:picLocks noChangeAspect="1" noChangeArrowheads="1"/>
+          </p:cNvPicPr>
+          <p:nvPr/>
+        </p:nvPicPr>
+        <p:blipFill>
+          <a:blip r:embed="rId6">
+            <a:extLst>
+              <a:ext uri="{28A0092B-C50C-407E-A947-70E740481C1C}">
+                <a14:useLocalDpi xmlns:a14="http://schemas.microsoft.com/office/drawing/2010/main" val="0"/>
+              </a:ext>
+            </a:extLst>
+          </a:blip>
+          <a:srcRect/>
+          <a:stretch>
+            <a:fillRect/>
+          </a:stretch>
+        </p:blipFill>
+        <p:spPr bwMode="auto">
+          <a:xfrm>
+            <a:off x="6745731" y="3160859"/>
+            <a:ext cx="269288" cy="293768"/>
+          </a:xfrm>
+          <a:prstGeom prst="rect">
+            <a:avLst/>
+          </a:prstGeom>
+          <a:noFill/>
+          <a:extLst>
+            <a:ext uri="{909E8E84-426E-40DD-AFC4-6F175D3DCCD1}">
+              <a14:hiddenFill xmlns:a14="http://schemas.microsoft.com/office/drawing/2010/main">
+                <a:solidFill>
+                  <a:srgbClr val="FFFFFF"/>
+                </a:solidFill>
+              </a14:hiddenFill>
+            </a:ext>
+          </a:extLst>
+        </p:spPr>
+      </p:pic>
+      <p:pic>
+        <p:nvPicPr>
+          <p:cNvPr id="10" name="Picture 6" descr="https://latex.codecogs.com/gif.latex?%5Cmu"/>
+          <p:cNvPicPr>
+            <a:picLocks noChangeAspect="1" noChangeArrowheads="1"/>
+          </p:cNvPicPr>
+          <p:nvPr/>
+        </p:nvPicPr>
+        <p:blipFill>
+          <a:blip r:embed="rId6">
+            <a:extLst>
+              <a:ext uri="{28A0092B-C50C-407E-A947-70E740481C1C}">
+                <a14:useLocalDpi xmlns:a14="http://schemas.microsoft.com/office/drawing/2010/main" val="0"/>
+              </a:ext>
+            </a:extLst>
+          </a:blip>
+          <a:srcRect/>
+          <a:stretch>
+            <a:fillRect/>
+          </a:stretch>
+        </p:blipFill>
+        <p:spPr bwMode="auto">
+          <a:xfrm>
+            <a:off x="3643029" y="6342500"/>
+            <a:ext cx="269288" cy="293768"/>
+          </a:xfrm>
+          <a:prstGeom prst="rect">
+            <a:avLst/>
+          </a:prstGeom>
+          <a:noFill/>
+          <a:extLst>
+            <a:ext uri="{909E8E84-426E-40DD-AFC4-6F175D3DCCD1}">
+              <a14:hiddenFill xmlns:a14="http://schemas.microsoft.com/office/drawing/2010/main">
+                <a:solidFill>
+                  <a:srgbClr val="FFFFFF"/>
+                </a:solidFill>
+              </a14:hiddenFill>
+            </a:ext>
+          </a:extLst>
+        </p:spPr>
+      </p:pic>
     </p:spTree>
     <p:extLst>
       <p:ext uri="{BB962C8B-B14F-4D97-AF65-F5344CB8AC3E}">
@@ -3521,6 +4092,424 @@
           </a:prstGeom>
         </p:spPr>
       </p:pic>
+      <p:pic>
+        <p:nvPicPr>
+          <p:cNvPr id="3" name="Picture 6" descr="https://latex.codecogs.com/gif.latex?%5Cmu"/>
+          <p:cNvPicPr>
+            <a:picLocks noChangeAspect="1" noChangeArrowheads="1"/>
+          </p:cNvPicPr>
+          <p:nvPr/>
+        </p:nvPicPr>
+        <p:blipFill>
+          <a:blip r:embed="rId3">
+            <a:extLst>
+              <a:ext uri="{28A0092B-C50C-407E-A947-70E740481C1C}">
+                <a14:useLocalDpi xmlns:a14="http://schemas.microsoft.com/office/drawing/2010/main" val="0"/>
+              </a:ext>
+            </a:extLst>
+          </a:blip>
+          <a:srcRect/>
+          <a:stretch>
+            <a:fillRect/>
+          </a:stretch>
+        </p:blipFill>
+        <p:spPr bwMode="auto">
+          <a:xfrm>
+            <a:off x="4367366" y="1526023"/>
+            <a:ext cx="269288" cy="293768"/>
+          </a:xfrm>
+          <a:prstGeom prst="rect">
+            <a:avLst/>
+          </a:prstGeom>
+          <a:noFill/>
+          <a:extLst>
+            <a:ext uri="{909E8E84-426E-40DD-AFC4-6F175D3DCCD1}">
+              <a14:hiddenFill xmlns:a14="http://schemas.microsoft.com/office/drawing/2010/main">
+                <a:solidFill>
+                  <a:srgbClr val="FFFFFF"/>
+                </a:solidFill>
+              </a14:hiddenFill>
+            </a:ext>
+          </a:extLst>
+        </p:spPr>
+      </p:pic>
+      <p:pic>
+        <p:nvPicPr>
+          <p:cNvPr id="4" name="Picture 6" descr="https://latex.codecogs.com/gif.latex?%5Cmu"/>
+          <p:cNvPicPr>
+            <a:picLocks noChangeAspect="1" noChangeArrowheads="1"/>
+          </p:cNvPicPr>
+          <p:nvPr/>
+        </p:nvPicPr>
+        <p:blipFill>
+          <a:blip r:embed="rId3">
+            <a:extLst>
+              <a:ext uri="{28A0092B-C50C-407E-A947-70E740481C1C}">
+                <a14:useLocalDpi xmlns:a14="http://schemas.microsoft.com/office/drawing/2010/main" val="0"/>
+              </a:ext>
+            </a:extLst>
+          </a:blip>
+          <a:srcRect/>
+          <a:stretch>
+            <a:fillRect/>
+          </a:stretch>
+        </p:blipFill>
+        <p:spPr bwMode="auto">
+          <a:xfrm>
+            <a:off x="7794058" y="1526023"/>
+            <a:ext cx="269288" cy="293768"/>
+          </a:xfrm>
+          <a:prstGeom prst="rect">
+            <a:avLst/>
+          </a:prstGeom>
+          <a:noFill/>
+          <a:extLst>
+            <a:ext uri="{909E8E84-426E-40DD-AFC4-6F175D3DCCD1}">
+              <a14:hiddenFill xmlns:a14="http://schemas.microsoft.com/office/drawing/2010/main">
+                <a:solidFill>
+                  <a:srgbClr val="FFFFFF"/>
+                </a:solidFill>
+              </a14:hiddenFill>
+            </a:ext>
+          </a:extLst>
+        </p:spPr>
+      </p:pic>
+      <p:pic>
+        <p:nvPicPr>
+          <p:cNvPr id="5" name="Picture 6" descr="https://latex.codecogs.com/gif.latex?%5Cmu"/>
+          <p:cNvPicPr>
+            <a:picLocks noChangeAspect="1" noChangeArrowheads="1"/>
+          </p:cNvPicPr>
+          <p:nvPr/>
+        </p:nvPicPr>
+        <p:blipFill>
+          <a:blip r:embed="rId3">
+            <a:extLst>
+              <a:ext uri="{28A0092B-C50C-407E-A947-70E740481C1C}">
+                <a14:useLocalDpi xmlns:a14="http://schemas.microsoft.com/office/drawing/2010/main" val="0"/>
+              </a:ext>
+            </a:extLst>
+          </a:blip>
+          <a:srcRect/>
+          <a:stretch>
+            <a:fillRect/>
+          </a:stretch>
+        </p:blipFill>
+        <p:spPr bwMode="auto">
+          <a:xfrm>
+            <a:off x="4367366" y="3135232"/>
+            <a:ext cx="269288" cy="293768"/>
+          </a:xfrm>
+          <a:prstGeom prst="rect">
+            <a:avLst/>
+          </a:prstGeom>
+          <a:noFill/>
+          <a:extLst>
+            <a:ext uri="{909E8E84-426E-40DD-AFC4-6F175D3DCCD1}">
+              <a14:hiddenFill xmlns:a14="http://schemas.microsoft.com/office/drawing/2010/main">
+                <a:solidFill>
+                  <a:srgbClr val="FFFFFF"/>
+                </a:solidFill>
+              </a14:hiddenFill>
+            </a:ext>
+          </a:extLst>
+        </p:spPr>
+      </p:pic>
+      <p:pic>
+        <p:nvPicPr>
+          <p:cNvPr id="7" name="Picture 6" descr="https://latex.codecogs.com/gif.latex?%5Cmu"/>
+          <p:cNvPicPr>
+            <a:picLocks noChangeAspect="1" noChangeArrowheads="1"/>
+          </p:cNvPicPr>
+          <p:nvPr/>
+        </p:nvPicPr>
+        <p:blipFill>
+          <a:blip r:embed="rId3">
+            <a:extLst>
+              <a:ext uri="{28A0092B-C50C-407E-A947-70E740481C1C}">
+                <a14:useLocalDpi xmlns:a14="http://schemas.microsoft.com/office/drawing/2010/main" val="0"/>
+              </a:ext>
+            </a:extLst>
+          </a:blip>
+          <a:srcRect/>
+          <a:stretch>
+            <a:fillRect/>
+          </a:stretch>
+        </p:blipFill>
+        <p:spPr bwMode="auto">
+          <a:xfrm>
+            <a:off x="959149" y="3266850"/>
+            <a:ext cx="269288" cy="293768"/>
+          </a:xfrm>
+          <a:prstGeom prst="rect">
+            <a:avLst/>
+          </a:prstGeom>
+          <a:noFill/>
+          <a:extLst>
+            <a:ext uri="{909E8E84-426E-40DD-AFC4-6F175D3DCCD1}">
+              <a14:hiddenFill xmlns:a14="http://schemas.microsoft.com/office/drawing/2010/main">
+                <a:solidFill>
+                  <a:srgbClr val="FFFFFF"/>
+                </a:solidFill>
+              </a14:hiddenFill>
+            </a:ext>
+          </a:extLst>
+        </p:spPr>
+      </p:pic>
+      <p:pic>
+        <p:nvPicPr>
+          <p:cNvPr id="8" name="Picture 6" descr="https://latex.codecogs.com/gif.latex?%5Cmu"/>
+          <p:cNvPicPr>
+            <a:picLocks noChangeAspect="1" noChangeArrowheads="1"/>
+          </p:cNvPicPr>
+          <p:nvPr/>
+        </p:nvPicPr>
+        <p:blipFill>
+          <a:blip r:embed="rId3">
+            <a:extLst>
+              <a:ext uri="{28A0092B-C50C-407E-A947-70E740481C1C}">
+                <a14:useLocalDpi xmlns:a14="http://schemas.microsoft.com/office/drawing/2010/main" val="0"/>
+              </a:ext>
+            </a:extLst>
+          </a:blip>
+          <a:srcRect/>
+          <a:stretch>
+            <a:fillRect/>
+          </a:stretch>
+        </p:blipFill>
+        <p:spPr bwMode="auto">
+          <a:xfrm>
+            <a:off x="7794058" y="3266850"/>
+            <a:ext cx="269288" cy="293768"/>
+          </a:xfrm>
+          <a:prstGeom prst="rect">
+            <a:avLst/>
+          </a:prstGeom>
+          <a:noFill/>
+          <a:extLst>
+            <a:ext uri="{909E8E84-426E-40DD-AFC4-6F175D3DCCD1}">
+              <a14:hiddenFill xmlns:a14="http://schemas.microsoft.com/office/drawing/2010/main">
+                <a:solidFill>
+                  <a:srgbClr val="FFFFFF"/>
+                </a:solidFill>
+              </a14:hiddenFill>
+            </a:ext>
+          </a:extLst>
+        </p:spPr>
+      </p:pic>
+      <p:pic>
+        <p:nvPicPr>
+          <p:cNvPr id="9" name="Picture 6" descr="https://latex.codecogs.com/gif.latex?%5Cmu"/>
+          <p:cNvPicPr>
+            <a:picLocks noChangeAspect="1" noChangeArrowheads="1"/>
+          </p:cNvPicPr>
+          <p:nvPr/>
+        </p:nvPicPr>
+        <p:blipFill>
+          <a:blip r:embed="rId3">
+            <a:extLst>
+              <a:ext uri="{28A0092B-C50C-407E-A947-70E740481C1C}">
+                <a14:useLocalDpi xmlns:a14="http://schemas.microsoft.com/office/drawing/2010/main" val="0"/>
+              </a:ext>
+            </a:extLst>
+          </a:blip>
+          <a:srcRect/>
+          <a:stretch>
+            <a:fillRect/>
+          </a:stretch>
+        </p:blipFill>
+        <p:spPr bwMode="auto">
+          <a:xfrm>
+            <a:off x="959149" y="4915768"/>
+            <a:ext cx="269288" cy="293768"/>
+          </a:xfrm>
+          <a:prstGeom prst="rect">
+            <a:avLst/>
+          </a:prstGeom>
+          <a:noFill/>
+          <a:extLst>
+            <a:ext uri="{909E8E84-426E-40DD-AFC4-6F175D3DCCD1}">
+              <a14:hiddenFill xmlns:a14="http://schemas.microsoft.com/office/drawing/2010/main">
+                <a:solidFill>
+                  <a:srgbClr val="FFFFFF"/>
+                </a:solidFill>
+              </a14:hiddenFill>
+            </a:ext>
+          </a:extLst>
+        </p:spPr>
+      </p:pic>
+      <p:pic>
+        <p:nvPicPr>
+          <p:cNvPr id="10" name="Picture 6" descr="https://latex.codecogs.com/gif.latex?%5Cmu"/>
+          <p:cNvPicPr>
+            <a:picLocks noChangeAspect="1" noChangeArrowheads="1"/>
+          </p:cNvPicPr>
+          <p:nvPr/>
+        </p:nvPicPr>
+        <p:blipFill>
+          <a:blip r:embed="rId3">
+            <a:extLst>
+              <a:ext uri="{28A0092B-C50C-407E-A947-70E740481C1C}">
+                <a14:useLocalDpi xmlns:a14="http://schemas.microsoft.com/office/drawing/2010/main" val="0"/>
+              </a:ext>
+            </a:extLst>
+          </a:blip>
+          <a:srcRect/>
+          <a:stretch>
+            <a:fillRect/>
+          </a:stretch>
+        </p:blipFill>
+        <p:spPr bwMode="auto">
+          <a:xfrm>
+            <a:off x="4367366" y="4900502"/>
+            <a:ext cx="269288" cy="293768"/>
+          </a:xfrm>
+          <a:prstGeom prst="rect">
+            <a:avLst/>
+          </a:prstGeom>
+          <a:noFill/>
+          <a:extLst>
+            <a:ext uri="{909E8E84-426E-40DD-AFC4-6F175D3DCCD1}">
+              <a14:hiddenFill xmlns:a14="http://schemas.microsoft.com/office/drawing/2010/main">
+                <a:solidFill>
+                  <a:srgbClr val="FFFFFF"/>
+                </a:solidFill>
+              </a14:hiddenFill>
+            </a:ext>
+          </a:extLst>
+        </p:spPr>
+      </p:pic>
+      <p:pic>
+        <p:nvPicPr>
+          <p:cNvPr id="11" name="Picture 6" descr="https://latex.codecogs.com/gif.latex?%5Cmu"/>
+          <p:cNvPicPr>
+            <a:picLocks noChangeAspect="1" noChangeArrowheads="1"/>
+          </p:cNvPicPr>
+          <p:nvPr/>
+        </p:nvPicPr>
+        <p:blipFill>
+          <a:blip r:embed="rId3">
+            <a:extLst>
+              <a:ext uri="{28A0092B-C50C-407E-A947-70E740481C1C}">
+                <a14:useLocalDpi xmlns:a14="http://schemas.microsoft.com/office/drawing/2010/main" val="0"/>
+              </a:ext>
+            </a:extLst>
+          </a:blip>
+          <a:srcRect/>
+          <a:stretch>
+            <a:fillRect/>
+          </a:stretch>
+        </p:blipFill>
+        <p:spPr bwMode="auto">
+          <a:xfrm>
+            <a:off x="7794058" y="4915768"/>
+            <a:ext cx="269288" cy="293768"/>
+          </a:xfrm>
+          <a:prstGeom prst="rect">
+            <a:avLst/>
+          </a:prstGeom>
+          <a:noFill/>
+          <a:extLst>
+            <a:ext uri="{909E8E84-426E-40DD-AFC4-6F175D3DCCD1}">
+              <a14:hiddenFill xmlns:a14="http://schemas.microsoft.com/office/drawing/2010/main">
+                <a:solidFill>
+                  <a:srgbClr val="FFFFFF"/>
+                </a:solidFill>
+              </a14:hiddenFill>
+            </a:ext>
+          </a:extLst>
+        </p:spPr>
+      </p:pic>
+      <p:sp>
+        <p:nvSpPr>
+          <p:cNvPr id="2" name="TextBox 1"/>
+          <p:cNvSpPr txBox="1"/>
+          <p:nvPr/>
+        </p:nvSpPr>
+        <p:spPr>
+          <a:xfrm>
+            <a:off x="6306978" y="2098210"/>
+            <a:ext cx="322524" cy="584775"/>
+          </a:xfrm>
+          <a:prstGeom prst="rect">
+            <a:avLst/>
+          </a:prstGeom>
+          <a:noFill/>
+        </p:spPr>
+        <p:txBody>
+          <a:bodyPr wrap="none" rtlCol="0">
+            <a:spAutoFit/>
+          </a:bodyPr>
+          <a:lstStyle/>
+          <a:p>
+            <a:r>
+              <a:rPr lang="nl-NL" sz="3200" dirty="0" smtClean="0"/>
+              <a:t>t</a:t>
+            </a:r>
+            <a:endParaRPr lang="en-GB" sz="5400" dirty="0"/>
+          </a:p>
+        </p:txBody>
+      </p:sp>
+      <p:sp>
+        <p:nvSpPr>
+          <p:cNvPr id="12" name="TextBox 11"/>
+          <p:cNvSpPr txBox="1"/>
+          <p:nvPr/>
+        </p:nvSpPr>
+        <p:spPr>
+          <a:xfrm>
+            <a:off x="10116978" y="2173608"/>
+            <a:ext cx="322524" cy="584775"/>
+          </a:xfrm>
+          <a:prstGeom prst="rect">
+            <a:avLst/>
+          </a:prstGeom>
+          <a:noFill/>
+        </p:spPr>
+        <p:txBody>
+          <a:bodyPr wrap="none" rtlCol="0">
+            <a:spAutoFit/>
+          </a:bodyPr>
+          <a:lstStyle/>
+          <a:p>
+            <a:r>
+              <a:rPr lang="nl-NL" sz="3200" dirty="0" smtClean="0"/>
+              <a:t>t</a:t>
+            </a:r>
+            <a:endParaRPr lang="en-GB" sz="5400" dirty="0"/>
+          </a:p>
+        </p:txBody>
+      </p:sp>
+      <p:sp>
+        <p:nvSpPr>
+          <p:cNvPr id="13" name="TextBox 12"/>
+          <p:cNvSpPr txBox="1"/>
+          <p:nvPr/>
+        </p:nvSpPr>
+        <p:spPr>
+          <a:xfrm>
+            <a:off x="6700009" y="3874696"/>
+            <a:ext cx="322524" cy="584775"/>
+          </a:xfrm>
+          <a:prstGeom prst="rect">
+            <a:avLst/>
+          </a:prstGeom>
+          <a:noFill/>
+        </p:spPr>
+        <p:txBody>
+          <a:bodyPr wrap="none" rtlCol="0">
+            <a:spAutoFit/>
+          </a:bodyPr>
+          <a:lstStyle/>
+          <a:p>
+            <a:r>
+              <a:rPr lang="nl-NL" sz="3200" dirty="0" smtClean="0"/>
+              <a:t>t</a:t>
+            </a:r>
+            <a:endParaRPr lang="en-GB" sz="5400" dirty="0"/>
+          </a:p>
+        </p:txBody>
+      </p:sp>
     </p:spTree>
     <p:extLst>
       <p:ext uri="{BB962C8B-B14F-4D97-AF65-F5344CB8AC3E}">

--- a/projectDescription.pptx
+++ b/projectDescription.pptx
@@ -3596,17 +3596,7 @@
                   </a:schemeClr>
                 </a:solidFill>
               </a:rPr>
-              <a:t>kPi</a:t>
-            </a:r>
-            <a:r>
-              <a:rPr lang="en-GB" b="1" dirty="0" err="1" smtClean="0">
-                <a:solidFill>
-                  <a:schemeClr val="accent4">
-                    <a:lumMod val="75000"/>
-                  </a:schemeClr>
-                </a:solidFill>
-              </a:rPr>
-              <a:t>_inhibits_R</a:t>
+              <a:t>kPi_inhibits_R</a:t>
             </a:r>
             <a:r>
               <a:rPr lang="en-GB" b="1" dirty="0" smtClean="0">
@@ -3778,7 +3768,7 @@
         </p:blipFill>
         <p:spPr>
           <a:xfrm>
-            <a:off x="2586159" y="0"/>
+            <a:off x="1662517" y="0"/>
             <a:ext cx="7019682" cy="6858000"/>
           </a:xfrm>
           <a:prstGeom prst="rect">
@@ -3809,7 +3799,7 @@
         </p:blipFill>
         <p:spPr bwMode="auto">
           <a:xfrm>
-            <a:off x="7803284" y="2155537"/>
+            <a:off x="6879642" y="2155537"/>
             <a:ext cx="1533525" cy="409575"/>
           </a:xfrm>
           <a:prstGeom prst="rect">
@@ -3850,7 +3840,7 @@
         </p:blipFill>
         <p:spPr bwMode="auto">
           <a:xfrm>
-            <a:off x="1228437" y="1362479"/>
+            <a:off x="304795" y="1362479"/>
             <a:ext cx="1676400" cy="400050"/>
           </a:xfrm>
           <a:prstGeom prst="rect">
@@ -3891,7 +3881,7 @@
         </p:blipFill>
         <p:spPr bwMode="auto">
           <a:xfrm>
-            <a:off x="1874982" y="4529290"/>
+            <a:off x="951340" y="4529290"/>
             <a:ext cx="630387" cy="630387"/>
           </a:xfrm>
           <a:prstGeom prst="rect">
@@ -3932,7 +3922,7 @@
         </p:blipFill>
         <p:spPr bwMode="auto">
           <a:xfrm>
-            <a:off x="3536094" y="3160859"/>
+            <a:off x="2612452" y="3160859"/>
             <a:ext cx="269288" cy="293768"/>
           </a:xfrm>
           <a:prstGeom prst="rect">
@@ -3973,7 +3963,7 @@
         </p:blipFill>
         <p:spPr bwMode="auto">
           <a:xfrm>
-            <a:off x="6745731" y="3160859"/>
+            <a:off x="5822089" y="3160859"/>
             <a:ext cx="269288" cy="293768"/>
           </a:xfrm>
           <a:prstGeom prst="rect">
@@ -4014,7 +4004,7 @@
         </p:blipFill>
         <p:spPr bwMode="auto">
           <a:xfrm>
-            <a:off x="3643029" y="6342500"/>
+            <a:off x="2719387" y="6342500"/>
             <a:ext cx="269288" cy="293768"/>
           </a:xfrm>
           <a:prstGeom prst="rect">
@@ -4032,6 +4022,331 @@
           </a:extLst>
         </p:spPr>
       </p:pic>
+      <p:cxnSp>
+        <p:nvCxnSpPr>
+          <p:cNvPr id="3" name="Straight Connector 2"/>
+          <p:cNvCxnSpPr/>
+          <p:nvPr/>
+        </p:nvCxnSpPr>
+        <p:spPr>
+          <a:xfrm>
+            <a:off x="8996218" y="729673"/>
+            <a:ext cx="692727" cy="0"/>
+          </a:xfrm>
+          <a:prstGeom prst="line">
+            <a:avLst/>
+          </a:prstGeom>
+          <a:ln w="76200">
+            <a:solidFill>
+              <a:schemeClr val="tx1"/>
+            </a:solidFill>
+          </a:ln>
+        </p:spPr>
+        <p:style>
+          <a:lnRef idx="1">
+            <a:schemeClr val="accent1"/>
+          </a:lnRef>
+          <a:fillRef idx="0">
+            <a:schemeClr val="accent1"/>
+          </a:fillRef>
+          <a:effectRef idx="0">
+            <a:schemeClr val="accent1"/>
+          </a:effectRef>
+          <a:fontRef idx="minor">
+            <a:schemeClr val="tx1"/>
+          </a:fontRef>
+        </p:style>
+      </p:cxnSp>
+      <p:sp>
+        <p:nvSpPr>
+          <p:cNvPr id="5" name="TextBox 4"/>
+          <p:cNvSpPr txBox="1"/>
+          <p:nvPr/>
+        </p:nvSpPr>
+        <p:spPr>
+          <a:xfrm>
+            <a:off x="9984509" y="471055"/>
+            <a:ext cx="1819564" cy="646331"/>
+          </a:xfrm>
+          <a:prstGeom prst="rect">
+            <a:avLst/>
+          </a:prstGeom>
+          <a:noFill/>
+        </p:spPr>
+        <p:txBody>
+          <a:bodyPr wrap="square" rtlCol="0">
+            <a:spAutoFit/>
+          </a:bodyPr>
+          <a:lstStyle/>
+          <a:p>
+            <a:r>
+              <a:rPr lang="nl-NL" dirty="0" smtClean="0"/>
+              <a:t>M,O,I=0</a:t>
+            </a:r>
+            <a:br>
+              <a:rPr lang="nl-NL" dirty="0" smtClean="0"/>
+            </a:br>
+            <a:r>
+              <a:rPr lang="nl-NL" dirty="0" smtClean="0"/>
+              <a:t>N=[0,1]</a:t>
+            </a:r>
+            <a:endParaRPr lang="en-GB" dirty="0"/>
+          </a:p>
+        </p:txBody>
+      </p:sp>
+      <p:sp>
+        <p:nvSpPr>
+          <p:cNvPr id="12" name="TextBox 11"/>
+          <p:cNvSpPr txBox="1"/>
+          <p:nvPr/>
+        </p:nvSpPr>
+        <p:spPr>
+          <a:xfrm>
+            <a:off x="10039921" y="1239338"/>
+            <a:ext cx="1967352" cy="923330"/>
+          </a:xfrm>
+          <a:prstGeom prst="rect">
+            <a:avLst/>
+          </a:prstGeom>
+          <a:noFill/>
+        </p:spPr>
+        <p:txBody>
+          <a:bodyPr wrap="square" rtlCol="0">
+            <a:spAutoFit/>
+          </a:bodyPr>
+          <a:lstStyle/>
+          <a:p>
+            <a:r>
+              <a:rPr lang="nl-NL" dirty="0" smtClean="0"/>
+              <a:t>M,I=0</a:t>
+            </a:r>
+            <a:br>
+              <a:rPr lang="nl-NL" dirty="0" smtClean="0"/>
+            </a:br>
+            <a:r>
+              <a:rPr lang="nl-NL" dirty="0" smtClean="0"/>
+              <a:t>O=[0,infinity]</a:t>
+            </a:r>
+            <a:br>
+              <a:rPr lang="nl-NL" dirty="0" smtClean="0"/>
+            </a:br>
+            <a:r>
+              <a:rPr lang="nl-NL" dirty="0" smtClean="0"/>
+              <a:t>N=discrete </a:t>
+            </a:r>
+            <a:r>
+              <a:rPr lang="nl-NL" dirty="0" err="1" smtClean="0"/>
+              <a:t>values</a:t>
+            </a:r>
+            <a:endParaRPr lang="en-GB" dirty="0"/>
+          </a:p>
+        </p:txBody>
+      </p:sp>
+      <p:cxnSp>
+        <p:nvCxnSpPr>
+          <p:cNvPr id="13" name="Straight Connector 12"/>
+          <p:cNvCxnSpPr/>
+          <p:nvPr/>
+        </p:nvCxnSpPr>
+        <p:spPr>
+          <a:xfrm>
+            <a:off x="9014690" y="1556325"/>
+            <a:ext cx="692727" cy="0"/>
+          </a:xfrm>
+          <a:prstGeom prst="line">
+            <a:avLst/>
+          </a:prstGeom>
+          <a:ln w="76200">
+            <a:solidFill>
+              <a:srgbClr val="FF0000"/>
+            </a:solidFill>
+          </a:ln>
+        </p:spPr>
+        <p:style>
+          <a:lnRef idx="1">
+            <a:schemeClr val="accent1"/>
+          </a:lnRef>
+          <a:fillRef idx="0">
+            <a:schemeClr val="accent1"/>
+          </a:fillRef>
+          <a:effectRef idx="0">
+            <a:schemeClr val="accent1"/>
+          </a:effectRef>
+          <a:fontRef idx="minor">
+            <a:schemeClr val="tx1"/>
+          </a:fontRef>
+        </p:style>
+      </p:cxnSp>
+      <p:cxnSp>
+        <p:nvCxnSpPr>
+          <p:cNvPr id="14" name="Straight Connector 13"/>
+          <p:cNvCxnSpPr/>
+          <p:nvPr/>
+        </p:nvCxnSpPr>
+        <p:spPr>
+          <a:xfrm>
+            <a:off x="9014690" y="2583582"/>
+            <a:ext cx="692727" cy="0"/>
+          </a:xfrm>
+          <a:prstGeom prst="line">
+            <a:avLst/>
+          </a:prstGeom>
+          <a:ln w="76200">
+            <a:solidFill>
+              <a:srgbClr val="00FF00"/>
+            </a:solidFill>
+          </a:ln>
+        </p:spPr>
+        <p:style>
+          <a:lnRef idx="1">
+            <a:schemeClr val="accent1"/>
+          </a:lnRef>
+          <a:fillRef idx="0">
+            <a:schemeClr val="accent1"/>
+          </a:fillRef>
+          <a:effectRef idx="0">
+            <a:schemeClr val="accent1"/>
+          </a:effectRef>
+          <a:fontRef idx="minor">
+            <a:schemeClr val="tx1"/>
+          </a:fontRef>
+        </p:style>
+      </p:cxnSp>
+      <p:sp>
+        <p:nvSpPr>
+          <p:cNvPr id="15" name="TextBox 14"/>
+          <p:cNvSpPr txBox="1"/>
+          <p:nvPr/>
+        </p:nvSpPr>
+        <p:spPr>
+          <a:xfrm>
+            <a:off x="9984509" y="2317380"/>
+            <a:ext cx="2022764" cy="923330"/>
+          </a:xfrm>
+          <a:prstGeom prst="rect">
+            <a:avLst/>
+          </a:prstGeom>
+          <a:noFill/>
+        </p:spPr>
+        <p:txBody>
+          <a:bodyPr wrap="square" rtlCol="0">
+            <a:spAutoFit/>
+          </a:bodyPr>
+          <a:lstStyle/>
+          <a:p>
+            <a:r>
+              <a:rPr lang="nl-NL" dirty="0" smtClean="0"/>
+              <a:t>M,O=0</a:t>
+            </a:r>
+            <a:br>
+              <a:rPr lang="nl-NL" dirty="0" smtClean="0"/>
+            </a:br>
+            <a:r>
+              <a:rPr lang="nl-NL" dirty="0" smtClean="0"/>
+              <a:t>I=[0,1]</a:t>
+            </a:r>
+            <a:br>
+              <a:rPr lang="nl-NL" dirty="0" smtClean="0"/>
+            </a:br>
+            <a:r>
+              <a:rPr lang="nl-NL" dirty="0" smtClean="0"/>
+              <a:t>N=discrete </a:t>
+            </a:r>
+            <a:r>
+              <a:rPr lang="nl-NL" dirty="0" err="1" smtClean="0"/>
+              <a:t>values</a:t>
+            </a:r>
+            <a:endParaRPr lang="en-GB" dirty="0"/>
+          </a:p>
+        </p:txBody>
+      </p:sp>
+      <p:cxnSp>
+        <p:nvCxnSpPr>
+          <p:cNvPr id="16" name="Straight Connector 15"/>
+          <p:cNvCxnSpPr/>
+          <p:nvPr/>
+        </p:nvCxnSpPr>
+        <p:spPr>
+          <a:xfrm>
+            <a:off x="9014690" y="3698796"/>
+            <a:ext cx="692727" cy="0"/>
+          </a:xfrm>
+          <a:prstGeom prst="line">
+            <a:avLst/>
+          </a:prstGeom>
+          <a:ln w="76200">
+            <a:solidFill>
+              <a:srgbClr val="0000FF"/>
+            </a:solidFill>
+          </a:ln>
+        </p:spPr>
+        <p:style>
+          <a:lnRef idx="1">
+            <a:schemeClr val="accent1"/>
+          </a:lnRef>
+          <a:fillRef idx="0">
+            <a:schemeClr val="accent1"/>
+          </a:fillRef>
+          <a:effectRef idx="0">
+            <a:schemeClr val="accent1"/>
+          </a:effectRef>
+          <a:fontRef idx="minor">
+            <a:schemeClr val="tx1"/>
+          </a:fontRef>
+        </p:style>
+      </p:cxnSp>
+      <p:sp>
+        <p:nvSpPr>
+          <p:cNvPr id="17" name="TextBox 16"/>
+          <p:cNvSpPr txBox="1"/>
+          <p:nvPr/>
+        </p:nvSpPr>
+        <p:spPr>
+          <a:xfrm>
+            <a:off x="9984509" y="3432594"/>
+            <a:ext cx="2022764" cy="923330"/>
+          </a:xfrm>
+          <a:prstGeom prst="rect">
+            <a:avLst/>
+          </a:prstGeom>
+          <a:noFill/>
+        </p:spPr>
+        <p:txBody>
+          <a:bodyPr wrap="square" rtlCol="0">
+            <a:spAutoFit/>
+          </a:bodyPr>
+          <a:lstStyle/>
+          <a:p>
+            <a:r>
+              <a:rPr lang="nl-NL" dirty="0"/>
+              <a:t>I</a:t>
+            </a:r>
+            <a:r>
+              <a:rPr lang="nl-NL" dirty="0" smtClean="0"/>
+              <a:t>,O=0</a:t>
+            </a:r>
+            <a:br>
+              <a:rPr lang="nl-NL" dirty="0" smtClean="0"/>
+            </a:br>
+            <a:r>
+              <a:rPr lang="nl-NL" dirty="0" smtClean="0"/>
+              <a:t>M=[0,infinity]</a:t>
+            </a:r>
+            <a:br>
+              <a:rPr lang="nl-NL" dirty="0" smtClean="0"/>
+            </a:br>
+            <a:r>
+              <a:rPr lang="nl-NL" dirty="0" smtClean="0"/>
+              <a:t>N=discrete </a:t>
+            </a:r>
+            <a:r>
+              <a:rPr lang="nl-NL" dirty="0" err="1" smtClean="0"/>
+              <a:t>values</a:t>
+            </a:r>
+            <a:endParaRPr lang="en-GB" dirty="0"/>
+          </a:p>
+        </p:txBody>
+      </p:sp>
     </p:spTree>
     <p:extLst>
       <p:ext uri="{BB962C8B-B14F-4D97-AF65-F5344CB8AC3E}">
@@ -4507,6 +4822,420 @@
               <a:t>t</a:t>
             </a:r>
             <a:endParaRPr lang="en-GB" sz="5400" dirty="0"/>
+          </a:p>
+        </p:txBody>
+      </p:sp>
+      <p:sp>
+        <p:nvSpPr>
+          <p:cNvPr id="14" name="TextBox 13"/>
+          <p:cNvSpPr txBox="1"/>
+          <p:nvPr/>
+        </p:nvSpPr>
+        <p:spPr>
+          <a:xfrm>
+            <a:off x="3152786" y="2801894"/>
+            <a:ext cx="1819564" cy="738664"/>
+          </a:xfrm>
+          <a:prstGeom prst="rect">
+            <a:avLst/>
+          </a:prstGeom>
+          <a:noFill/>
+        </p:spPr>
+        <p:txBody>
+          <a:bodyPr wrap="square" rtlCol="0">
+            <a:spAutoFit/>
+          </a:bodyPr>
+          <a:lstStyle/>
+          <a:p>
+            <a:r>
+              <a:rPr lang="nl-NL" sz="1400" dirty="0" smtClean="0"/>
+              <a:t>Step up in O</a:t>
+            </a:r>
+          </a:p>
+          <a:p>
+            <a:r>
+              <a:rPr lang="nl-NL" sz="1400" dirty="0" smtClean="0"/>
+              <a:t>N=constant</a:t>
+            </a:r>
+            <a:r>
+              <a:rPr lang="nl-NL" sz="1400" dirty="0" smtClean="0"/>
+              <a:t/>
+            </a:r>
+            <a:br>
+              <a:rPr lang="nl-NL" sz="1400" dirty="0" smtClean="0"/>
+            </a:br>
+            <a:r>
+              <a:rPr lang="nl-NL" sz="1400" dirty="0" err="1" smtClean="0"/>
+              <a:t>with</a:t>
+            </a:r>
+            <a:r>
+              <a:rPr lang="nl-NL" sz="1400" dirty="0" smtClean="0"/>
+              <a:t> I,M=0</a:t>
+            </a:r>
+            <a:endParaRPr lang="en-GB" sz="1400" dirty="0"/>
+          </a:p>
+        </p:txBody>
+      </p:sp>
+      <p:sp>
+        <p:nvSpPr>
+          <p:cNvPr id="16" name="TextBox 15"/>
+          <p:cNvSpPr txBox="1"/>
+          <p:nvPr/>
+        </p:nvSpPr>
+        <p:spPr>
+          <a:xfrm>
+            <a:off x="3152786" y="4455606"/>
+            <a:ext cx="1819564" cy="738664"/>
+          </a:xfrm>
+          <a:prstGeom prst="rect">
+            <a:avLst/>
+          </a:prstGeom>
+          <a:noFill/>
+        </p:spPr>
+        <p:txBody>
+          <a:bodyPr wrap="square" rtlCol="0">
+            <a:spAutoFit/>
+          </a:bodyPr>
+          <a:lstStyle/>
+          <a:p>
+            <a:r>
+              <a:rPr lang="nl-NL" sz="1400" dirty="0" smtClean="0"/>
+              <a:t>Step up in M</a:t>
+            </a:r>
+          </a:p>
+          <a:p>
+            <a:r>
+              <a:rPr lang="nl-NL" sz="1400" dirty="0" smtClean="0"/>
+              <a:t>N=constant</a:t>
+            </a:r>
+            <a:r>
+              <a:rPr lang="nl-NL" sz="1400" dirty="0" smtClean="0"/>
+              <a:t/>
+            </a:r>
+            <a:br>
+              <a:rPr lang="nl-NL" sz="1400" dirty="0" smtClean="0"/>
+            </a:br>
+            <a:r>
+              <a:rPr lang="nl-NL" sz="1400" dirty="0" err="1" smtClean="0"/>
+              <a:t>with</a:t>
+            </a:r>
+            <a:r>
+              <a:rPr lang="nl-NL" sz="1400" dirty="0" smtClean="0"/>
+              <a:t> I,O=0</a:t>
+            </a:r>
+            <a:endParaRPr lang="en-GB" sz="1400" dirty="0"/>
+          </a:p>
+        </p:txBody>
+      </p:sp>
+      <p:sp>
+        <p:nvSpPr>
+          <p:cNvPr id="17" name="TextBox 16"/>
+          <p:cNvSpPr txBox="1"/>
+          <p:nvPr/>
+        </p:nvSpPr>
+        <p:spPr>
+          <a:xfrm>
+            <a:off x="6422059" y="1574990"/>
+            <a:ext cx="1819564" cy="523220"/>
+          </a:xfrm>
+          <a:prstGeom prst="rect">
+            <a:avLst/>
+          </a:prstGeom>
+          <a:noFill/>
+        </p:spPr>
+        <p:txBody>
+          <a:bodyPr wrap="square" rtlCol="0">
+            <a:spAutoFit/>
+          </a:bodyPr>
+          <a:lstStyle/>
+          <a:p>
+            <a:r>
+              <a:rPr lang="nl-NL" sz="1400" dirty="0" smtClean="0"/>
+              <a:t>Step up in N</a:t>
+            </a:r>
+            <a:br>
+              <a:rPr lang="nl-NL" sz="1400" dirty="0" smtClean="0"/>
+            </a:br>
+            <a:r>
+              <a:rPr lang="nl-NL" sz="1400" dirty="0" err="1" smtClean="0"/>
+              <a:t>with</a:t>
+            </a:r>
+            <a:r>
+              <a:rPr lang="nl-NL" sz="1400" dirty="0" smtClean="0"/>
+              <a:t> I,O,M=0</a:t>
+            </a:r>
+            <a:endParaRPr lang="en-GB" sz="1400" dirty="0"/>
+          </a:p>
+        </p:txBody>
+      </p:sp>
+      <p:sp>
+        <p:nvSpPr>
+          <p:cNvPr id="18" name="TextBox 17"/>
+          <p:cNvSpPr txBox="1"/>
+          <p:nvPr/>
+        </p:nvSpPr>
+        <p:spPr>
+          <a:xfrm>
+            <a:off x="9117246" y="1132250"/>
+            <a:ext cx="1819564" cy="523220"/>
+          </a:xfrm>
+          <a:prstGeom prst="rect">
+            <a:avLst/>
+          </a:prstGeom>
+          <a:noFill/>
+        </p:spPr>
+        <p:txBody>
+          <a:bodyPr wrap="square" rtlCol="0">
+            <a:spAutoFit/>
+          </a:bodyPr>
+          <a:lstStyle/>
+          <a:p>
+            <a:r>
+              <a:rPr lang="nl-NL" sz="1400" dirty="0" smtClean="0"/>
+              <a:t>Step  down in N</a:t>
+            </a:r>
+            <a:br>
+              <a:rPr lang="nl-NL" sz="1400" dirty="0" smtClean="0"/>
+            </a:br>
+            <a:r>
+              <a:rPr lang="nl-NL" sz="1400" dirty="0" err="1" smtClean="0"/>
+              <a:t>with</a:t>
+            </a:r>
+            <a:r>
+              <a:rPr lang="nl-NL" sz="1400" dirty="0" smtClean="0"/>
+              <a:t> I,O,M=0</a:t>
+            </a:r>
+            <a:endParaRPr lang="en-GB" sz="1400" dirty="0"/>
+          </a:p>
+        </p:txBody>
+      </p:sp>
+      <p:sp>
+        <p:nvSpPr>
+          <p:cNvPr id="20" name="TextBox 19"/>
+          <p:cNvSpPr txBox="1"/>
+          <p:nvPr/>
+        </p:nvSpPr>
+        <p:spPr>
+          <a:xfrm>
+            <a:off x="5638798" y="2752779"/>
+            <a:ext cx="1819564" cy="738664"/>
+          </a:xfrm>
+          <a:prstGeom prst="rect">
+            <a:avLst/>
+          </a:prstGeom>
+          <a:noFill/>
+        </p:spPr>
+        <p:txBody>
+          <a:bodyPr wrap="square" rtlCol="0">
+            <a:spAutoFit/>
+          </a:bodyPr>
+          <a:lstStyle/>
+          <a:p>
+            <a:r>
+              <a:rPr lang="nl-NL" sz="1400" dirty="0" smtClean="0"/>
+              <a:t>Step up in N</a:t>
+            </a:r>
+            <a:br>
+              <a:rPr lang="nl-NL" sz="1400" dirty="0" smtClean="0"/>
+            </a:br>
+            <a:r>
+              <a:rPr lang="nl-NL" sz="1400" dirty="0" err="1" smtClean="0"/>
+              <a:t>with</a:t>
+            </a:r>
+            <a:r>
+              <a:rPr lang="nl-NL" sz="1400" dirty="0" smtClean="0"/>
+              <a:t> I,M=0</a:t>
+            </a:r>
+          </a:p>
+          <a:p>
+            <a:r>
+              <a:rPr lang="nl-NL" sz="1400" dirty="0" err="1"/>
+              <a:t>a</a:t>
+            </a:r>
+            <a:r>
+              <a:rPr lang="nl-NL" sz="1400" dirty="0" err="1" smtClean="0"/>
+              <a:t>nd</a:t>
+            </a:r>
+            <a:r>
+              <a:rPr lang="nl-NL" sz="1400" dirty="0" smtClean="0"/>
+              <a:t> O=discrete </a:t>
+            </a:r>
+            <a:r>
+              <a:rPr lang="nl-NL" sz="1400" dirty="0" err="1" smtClean="0"/>
+              <a:t>values</a:t>
+            </a:r>
+            <a:endParaRPr lang="en-GB" sz="1400" dirty="0"/>
+          </a:p>
+        </p:txBody>
+      </p:sp>
+      <p:sp>
+        <p:nvSpPr>
+          <p:cNvPr id="22" name="TextBox 21"/>
+          <p:cNvSpPr txBox="1"/>
+          <p:nvPr/>
+        </p:nvSpPr>
+        <p:spPr>
+          <a:xfrm>
+            <a:off x="9117246" y="4455606"/>
+            <a:ext cx="1819564" cy="954107"/>
+          </a:xfrm>
+          <a:prstGeom prst="rect">
+            <a:avLst/>
+          </a:prstGeom>
+          <a:noFill/>
+        </p:spPr>
+        <p:txBody>
+          <a:bodyPr wrap="square" rtlCol="0">
+            <a:spAutoFit/>
+          </a:bodyPr>
+          <a:lstStyle/>
+          <a:p>
+            <a:r>
+              <a:rPr lang="nl-NL" sz="1400" dirty="0" smtClean="0"/>
+              <a:t>Step down in N</a:t>
+            </a:r>
+            <a:br>
+              <a:rPr lang="nl-NL" sz="1400" dirty="0" smtClean="0"/>
+            </a:br>
+            <a:r>
+              <a:rPr lang="nl-NL" sz="1400" dirty="0" err="1" smtClean="0"/>
+              <a:t>with</a:t>
+            </a:r>
+            <a:r>
+              <a:rPr lang="nl-NL" sz="1400" dirty="0" smtClean="0"/>
+              <a:t> I,O=0</a:t>
+            </a:r>
+            <a:br>
+              <a:rPr lang="nl-NL" sz="1400" dirty="0" smtClean="0"/>
+            </a:br>
+            <a:r>
+              <a:rPr lang="nl-NL" sz="1400" dirty="0" err="1" smtClean="0"/>
+              <a:t>and</a:t>
+            </a:r>
+            <a:r>
+              <a:rPr lang="nl-NL" sz="1400" dirty="0" smtClean="0"/>
+              <a:t> M= discrete </a:t>
+            </a:r>
+            <a:r>
+              <a:rPr lang="nl-NL" sz="1400" dirty="0" err="1" smtClean="0"/>
+              <a:t>values</a:t>
+            </a:r>
+            <a:endParaRPr lang="en-GB" sz="1400" dirty="0"/>
+          </a:p>
+        </p:txBody>
+      </p:sp>
+      <p:sp>
+        <p:nvSpPr>
+          <p:cNvPr id="23" name="TextBox 22"/>
+          <p:cNvSpPr txBox="1"/>
+          <p:nvPr/>
+        </p:nvSpPr>
+        <p:spPr>
+          <a:xfrm>
+            <a:off x="9117246" y="2739313"/>
+            <a:ext cx="1819564" cy="738664"/>
+          </a:xfrm>
+          <a:prstGeom prst="rect">
+            <a:avLst/>
+          </a:prstGeom>
+          <a:noFill/>
+        </p:spPr>
+        <p:txBody>
+          <a:bodyPr wrap="square" rtlCol="0">
+            <a:spAutoFit/>
+          </a:bodyPr>
+          <a:lstStyle/>
+          <a:p>
+            <a:r>
+              <a:rPr lang="nl-NL" sz="1400" dirty="0" smtClean="0"/>
+              <a:t>Step down in N</a:t>
+            </a:r>
+            <a:br>
+              <a:rPr lang="nl-NL" sz="1400" dirty="0" smtClean="0"/>
+            </a:br>
+            <a:r>
+              <a:rPr lang="nl-NL" sz="1400" dirty="0" err="1" smtClean="0"/>
+              <a:t>with</a:t>
+            </a:r>
+            <a:r>
+              <a:rPr lang="nl-NL" sz="1400" dirty="0" smtClean="0"/>
+              <a:t> I,M=0</a:t>
+            </a:r>
+          </a:p>
+          <a:p>
+            <a:r>
+              <a:rPr lang="nl-NL" sz="1400" dirty="0" err="1"/>
+              <a:t>a</a:t>
+            </a:r>
+            <a:r>
+              <a:rPr lang="nl-NL" sz="1400" dirty="0" err="1" smtClean="0"/>
+              <a:t>nd</a:t>
+            </a:r>
+            <a:r>
+              <a:rPr lang="nl-NL" sz="1400" dirty="0" smtClean="0"/>
+              <a:t> O=discrete </a:t>
+            </a:r>
+            <a:r>
+              <a:rPr lang="nl-NL" sz="1400" dirty="0" err="1" smtClean="0"/>
+              <a:t>values</a:t>
+            </a:r>
+            <a:endParaRPr lang="en-GB" sz="1400" dirty="0"/>
+          </a:p>
+        </p:txBody>
+      </p:sp>
+      <p:sp>
+        <p:nvSpPr>
+          <p:cNvPr id="24" name="TextBox 23"/>
+          <p:cNvSpPr txBox="1"/>
+          <p:nvPr/>
+        </p:nvSpPr>
+        <p:spPr>
+          <a:xfrm>
+            <a:off x="5690554" y="4455606"/>
+            <a:ext cx="1819564" cy="954107"/>
+          </a:xfrm>
+          <a:prstGeom prst="rect">
+            <a:avLst/>
+          </a:prstGeom>
+          <a:noFill/>
+        </p:spPr>
+        <p:txBody>
+          <a:bodyPr wrap="square" rtlCol="0">
+            <a:spAutoFit/>
+          </a:bodyPr>
+          <a:lstStyle/>
+          <a:p>
+            <a:r>
+              <a:rPr lang="nl-NL" sz="1400" dirty="0" smtClean="0"/>
+              <a:t>Step down in N</a:t>
+            </a:r>
+            <a:br>
+              <a:rPr lang="nl-NL" sz="1400" dirty="0" smtClean="0"/>
+            </a:br>
+            <a:r>
+              <a:rPr lang="nl-NL" sz="1400" dirty="0" err="1" smtClean="0"/>
+              <a:t>with</a:t>
+            </a:r>
+            <a:r>
+              <a:rPr lang="nl-NL" sz="1400" dirty="0" smtClean="0"/>
+              <a:t> I,O=0</a:t>
+            </a:r>
+            <a:br>
+              <a:rPr lang="nl-NL" sz="1400" dirty="0" smtClean="0"/>
+            </a:br>
+            <a:r>
+              <a:rPr lang="nl-NL" sz="1400" dirty="0" err="1" smtClean="0"/>
+              <a:t>and</a:t>
+            </a:r>
+            <a:r>
+              <a:rPr lang="nl-NL" sz="1400" dirty="0" smtClean="0"/>
+              <a:t> M= discrete </a:t>
+            </a:r>
+            <a:r>
+              <a:rPr lang="nl-NL" sz="1400" dirty="0" err="1" smtClean="0"/>
+              <a:t>values</a:t>
+            </a:r>
+            <a:endParaRPr lang="en-GB" sz="1400" dirty="0"/>
           </a:p>
         </p:txBody>
       </p:sp>

--- a/projectDescription.pptx
+++ b/projectDescription.pptx
@@ -246,7 +246,7 @@
           <a:p>
             <a:fld id="{7CC9B9C6-CD82-4E96-B6AA-3311BE7ABF0D}" type="datetimeFigureOut">
               <a:rPr lang="en-GB" smtClean="0"/>
-              <a:t>31/01/2022</a:t>
+              <a:t>01/02/2022</a:t>
             </a:fld>
             <a:endParaRPr lang="en-GB"/>
           </a:p>
@@ -416,7 +416,7 @@
           <a:p>
             <a:fld id="{7CC9B9C6-CD82-4E96-B6AA-3311BE7ABF0D}" type="datetimeFigureOut">
               <a:rPr lang="en-GB" smtClean="0"/>
-              <a:t>31/01/2022</a:t>
+              <a:t>01/02/2022</a:t>
             </a:fld>
             <a:endParaRPr lang="en-GB"/>
           </a:p>
@@ -596,7 +596,7 @@
           <a:p>
             <a:fld id="{7CC9B9C6-CD82-4E96-B6AA-3311BE7ABF0D}" type="datetimeFigureOut">
               <a:rPr lang="en-GB" smtClean="0"/>
-              <a:t>31/01/2022</a:t>
+              <a:t>01/02/2022</a:t>
             </a:fld>
             <a:endParaRPr lang="en-GB"/>
           </a:p>
@@ -766,7 +766,7 @@
           <a:p>
             <a:fld id="{7CC9B9C6-CD82-4E96-B6AA-3311BE7ABF0D}" type="datetimeFigureOut">
               <a:rPr lang="en-GB" smtClean="0"/>
-              <a:t>31/01/2022</a:t>
+              <a:t>01/02/2022</a:t>
             </a:fld>
             <a:endParaRPr lang="en-GB"/>
           </a:p>
@@ -1012,7 +1012,7 @@
           <a:p>
             <a:fld id="{7CC9B9C6-CD82-4E96-B6AA-3311BE7ABF0D}" type="datetimeFigureOut">
               <a:rPr lang="en-GB" smtClean="0"/>
-              <a:t>31/01/2022</a:t>
+              <a:t>01/02/2022</a:t>
             </a:fld>
             <a:endParaRPr lang="en-GB"/>
           </a:p>
@@ -1244,7 +1244,7 @@
           <a:p>
             <a:fld id="{7CC9B9C6-CD82-4E96-B6AA-3311BE7ABF0D}" type="datetimeFigureOut">
               <a:rPr lang="en-GB" smtClean="0"/>
-              <a:t>31/01/2022</a:t>
+              <a:t>01/02/2022</a:t>
             </a:fld>
             <a:endParaRPr lang="en-GB"/>
           </a:p>
@@ -1611,7 +1611,7 @@
           <a:p>
             <a:fld id="{7CC9B9C6-CD82-4E96-B6AA-3311BE7ABF0D}" type="datetimeFigureOut">
               <a:rPr lang="en-GB" smtClean="0"/>
-              <a:t>31/01/2022</a:t>
+              <a:t>01/02/2022</a:t>
             </a:fld>
             <a:endParaRPr lang="en-GB"/>
           </a:p>
@@ -1729,7 +1729,7 @@
           <a:p>
             <a:fld id="{7CC9B9C6-CD82-4E96-B6AA-3311BE7ABF0D}" type="datetimeFigureOut">
               <a:rPr lang="en-GB" smtClean="0"/>
-              <a:t>31/01/2022</a:t>
+              <a:t>01/02/2022</a:t>
             </a:fld>
             <a:endParaRPr lang="en-GB"/>
           </a:p>
@@ -1824,7 +1824,7 @@
           <a:p>
             <a:fld id="{7CC9B9C6-CD82-4E96-B6AA-3311BE7ABF0D}" type="datetimeFigureOut">
               <a:rPr lang="en-GB" smtClean="0"/>
-              <a:t>31/01/2022</a:t>
+              <a:t>01/02/2022</a:t>
             </a:fld>
             <a:endParaRPr lang="en-GB"/>
           </a:p>
@@ -2101,7 +2101,7 @@
           <a:p>
             <a:fld id="{7CC9B9C6-CD82-4E96-B6AA-3311BE7ABF0D}" type="datetimeFigureOut">
               <a:rPr lang="en-GB" smtClean="0"/>
-              <a:t>31/01/2022</a:t>
+              <a:t>01/02/2022</a:t>
             </a:fld>
             <a:endParaRPr lang="en-GB"/>
           </a:p>
@@ -2354,7 +2354,7 @@
           <a:p>
             <a:fld id="{7CC9B9C6-CD82-4E96-B6AA-3311BE7ABF0D}" type="datetimeFigureOut">
               <a:rPr lang="en-GB" smtClean="0"/>
-              <a:t>31/01/2022</a:t>
+              <a:t>01/02/2022</a:t>
             </a:fld>
             <a:endParaRPr lang="en-GB"/>
           </a:p>
@@ -2567,7 +2567,7 @@
           <a:p>
             <a:fld id="{7CC9B9C6-CD82-4E96-B6AA-3311BE7ABF0D}" type="datetimeFigureOut">
               <a:rPr lang="en-GB" smtClean="0"/>
-              <a:t>31/01/2022</a:t>
+              <a:t>01/02/2022</a:t>
             </a:fld>
             <a:endParaRPr lang="en-GB"/>
           </a:p>
@@ -3073,6 +3073,54 @@
       </p:pic>
       <p:sp>
         <p:nvSpPr>
+          <p:cNvPr id="18" name="Rectangle 17"/>
+          <p:cNvSpPr/>
+          <p:nvPr/>
+        </p:nvSpPr>
+        <p:spPr>
+          <a:xfrm>
+            <a:off x="8415914" y="660612"/>
+            <a:ext cx="2719206" cy="430794"/>
+          </a:xfrm>
+          <a:prstGeom prst="rect">
+            <a:avLst/>
+          </a:prstGeom>
+          <a:solidFill>
+            <a:schemeClr val="bg1"/>
+          </a:solidFill>
+          <a:ln>
+            <a:solidFill>
+              <a:schemeClr val="bg1"/>
+            </a:solidFill>
+          </a:ln>
+        </p:spPr>
+        <p:style>
+          <a:lnRef idx="2">
+            <a:schemeClr val="accent1">
+              <a:shade val="50000"/>
+            </a:schemeClr>
+          </a:lnRef>
+          <a:fillRef idx="1">
+            <a:schemeClr val="accent1"/>
+          </a:fillRef>
+          <a:effectRef idx="0">
+            <a:schemeClr val="accent1"/>
+          </a:effectRef>
+          <a:fontRef idx="minor">
+            <a:schemeClr val="lt1"/>
+          </a:fontRef>
+        </p:style>
+        <p:txBody>
+          <a:bodyPr rtlCol="0" anchor="ctr"/>
+          <a:lstStyle/>
+          <a:p>
+            <a:pPr algn="ctr"/>
+            <a:endParaRPr lang="en-GB"/>
+          </a:p>
+        </p:txBody>
+      </p:sp>
+      <p:sp>
+        <p:nvSpPr>
           <p:cNvPr id="4" name="Rectangle 3"/>
           <p:cNvSpPr/>
           <p:nvPr/>
@@ -3693,6 +3741,47 @@
           <a:xfrm>
             <a:off x="8395856" y="2455671"/>
             <a:ext cx="1533525" cy="409575"/>
+          </a:xfrm>
+          <a:prstGeom prst="rect">
+            <a:avLst/>
+          </a:prstGeom>
+          <a:noFill/>
+          <a:extLst>
+            <a:ext uri="{909E8E84-426E-40DD-AFC4-6F175D3DCCD1}">
+              <a14:hiddenFill xmlns:a14="http://schemas.microsoft.com/office/drawing/2010/main">
+                <a:solidFill>
+                  <a:srgbClr val="FFFFFF"/>
+                </a:solidFill>
+              </a14:hiddenFill>
+            </a:ext>
+          </a:extLst>
+        </p:spPr>
+      </p:pic>
+      <p:pic>
+        <p:nvPicPr>
+          <p:cNvPr id="5" name="Picture 2" descr="https://latex.codecogs.com/gif.latex?%5Cgamma%3D%5Cgamma_%7Bmax%7DN%28R_%7Bmax%7D-R%29%5Cfrac%7B%5Ctau%7D%7B%5Ctau&amp;plus;k_%7B%5Ctau%5Crightarrow%5Cgamma%7D%7D"/>
+          <p:cNvPicPr>
+            <a:picLocks noChangeAspect="1" noChangeArrowheads="1"/>
+          </p:cNvPicPr>
+          <p:nvPr/>
+        </p:nvPicPr>
+        <p:blipFill>
+          <a:blip r:embed="rId7">
+            <a:extLst>
+              <a:ext uri="{28A0092B-C50C-407E-A947-70E740481C1C}">
+                <a14:useLocalDpi xmlns:a14="http://schemas.microsoft.com/office/drawing/2010/main" val="0"/>
+              </a:ext>
+            </a:extLst>
+          </a:blip>
+          <a:srcRect/>
+          <a:stretch>
+            <a:fillRect/>
+          </a:stretch>
+        </p:blipFill>
+        <p:spPr bwMode="auto">
+          <a:xfrm>
+            <a:off x="8448819" y="730430"/>
+            <a:ext cx="2362200" cy="371475"/>
           </a:xfrm>
           <a:prstGeom prst="rect">
             <a:avLst/>
@@ -4857,10 +4946,6 @@
               <a:rPr lang="nl-NL" sz="1400" dirty="0" smtClean="0"/>
               <a:t>N=constant</a:t>
             </a:r>
-            <a:r>
-              <a:rPr lang="nl-NL" sz="1400" dirty="0" smtClean="0"/>
-              <a:t/>
-            </a:r>
             <a:br>
               <a:rPr lang="nl-NL" sz="1400" dirty="0" smtClean="0"/>
             </a:br>
@@ -4907,10 +4992,6 @@
             <a:r>
               <a:rPr lang="nl-NL" sz="1400" dirty="0" smtClean="0"/>
               <a:t>N=constant</a:t>
-            </a:r>
-            <a:r>
-              <a:rPr lang="nl-NL" sz="1400" dirty="0" smtClean="0"/>
-              <a:t/>
             </a:r>
             <a:br>
               <a:rPr lang="nl-NL" sz="1400" dirty="0" smtClean="0"/>

--- a/projectDescription.pptx
+++ b/projectDescription.pptx
@@ -3127,7 +3127,7 @@
         </p:nvSpPr>
         <p:spPr>
           <a:xfrm>
-            <a:off x="4211782" y="1520388"/>
+            <a:off x="4206371" y="1550992"/>
             <a:ext cx="2022763" cy="430794"/>
           </a:xfrm>
           <a:prstGeom prst="rect">
@@ -3220,7 +3220,7 @@
         </p:blipFill>
         <p:spPr bwMode="auto">
           <a:xfrm>
-            <a:off x="4299526" y="1589231"/>
+            <a:off x="4299525" y="1629919"/>
             <a:ext cx="2495550" cy="361951"/>
           </a:xfrm>
           <a:prstGeom prst="rect">
@@ -3685,26 +3685,6 @@
                 </a:solidFill>
               </a:rPr>
               <a:t>muMax</a:t>
-            </a:r>
-            <a:r>
-              <a:rPr lang="en-GB" b="1" dirty="0" smtClean="0">
-                <a:solidFill>
-                  <a:schemeClr val="accent4">
-                    <a:lumMod val="75000"/>
-                  </a:schemeClr>
-                </a:solidFill>
-              </a:rPr>
-              <a:t>, </a:t>
-            </a:r>
-            <a:r>
-              <a:rPr lang="en-GB" b="1" dirty="0" err="1" smtClean="0">
-                <a:solidFill>
-                  <a:schemeClr val="accent4">
-                    <a:lumMod val="75000"/>
-                  </a:schemeClr>
-                </a:solidFill>
-              </a:rPr>
-              <a:t>Rstarved</a:t>
             </a:r>
             <a:endParaRPr lang="en-GB" b="1" dirty="0">
               <a:solidFill>

--- a/projectDescription.pptx
+++ b/projectDescription.pptx
@@ -9,6 +9,7 @@
     <p:sldId id="263" r:id="rId3"/>
     <p:sldId id="260" r:id="rId4"/>
     <p:sldId id="257" r:id="rId5"/>
+    <p:sldId id="266" r:id="rId6"/>
   </p:sldIdLst>
   <p:sldSz cx="12192000" cy="6858000"/>
   <p:notesSz cx="6858000" cy="9144000"/>
@@ -115,6 +116,745 @@
 </p:presentation>
 </file>
 
+<file path=ppt/charts/chart1.xml><?xml version="1.0" encoding="utf-8"?>
+<c:chartSpace xmlns:c="http://schemas.openxmlformats.org/drawingml/2006/chart" xmlns:a="http://schemas.openxmlformats.org/drawingml/2006/main" xmlns:r="http://schemas.openxmlformats.org/officeDocument/2006/relationships" xmlns:c16r2="http://schemas.microsoft.com/office/drawing/2015/06/chart">
+  <c:date1904 val="0"/>
+  <c:lang val="en-US"/>
+  <c:roundedCorners val="0"/>
+  <mc:AlternateContent xmlns:mc="http://schemas.openxmlformats.org/markup-compatibility/2006">
+    <mc:Choice xmlns:c14="http://schemas.microsoft.com/office/drawing/2007/8/2/chart" Requires="c14">
+      <c14:style val="102"/>
+    </mc:Choice>
+    <mc:Fallback>
+      <c:style val="2"/>
+    </mc:Fallback>
+  </mc:AlternateContent>
+  <c:chart>
+    <c:autoTitleDeleted val="1"/>
+    <c:plotArea>
+      <c:layout/>
+      <c:pieChart>
+        <c:varyColors val="1"/>
+        <c:ser>
+          <c:idx val="0"/>
+          <c:order val="0"/>
+          <c:tx>
+            <c:strRef>
+              <c:f>Sheet1!$B$1</c:f>
+              <c:strCache>
+                <c:ptCount val="1"/>
+                <c:pt idx="0">
+                  <c:v>Composition of the cell</c:v>
+                </c:pt>
+              </c:strCache>
+            </c:strRef>
+          </c:tx>
+          <c:dPt>
+            <c:idx val="0"/>
+            <c:bubble3D val="0"/>
+            <c:spPr>
+              <a:solidFill>
+                <a:schemeClr val="accent1"/>
+              </a:solidFill>
+              <a:ln w="19050">
+                <a:solidFill>
+                  <a:schemeClr val="lt1"/>
+                </a:solidFill>
+              </a:ln>
+              <a:effectLst/>
+            </c:spPr>
+            <c:extLst>
+              <c:ext xmlns:c16="http://schemas.microsoft.com/office/drawing/2014/chart" uri="{C3380CC4-5D6E-409C-BE32-E72D297353CC}">
+                <c16:uniqueId val="{00000001-2CB5-41F7-9A73-88BA81C9FA62}"/>
+              </c:ext>
+            </c:extLst>
+          </c:dPt>
+          <c:dPt>
+            <c:idx val="1"/>
+            <c:bubble3D val="0"/>
+            <c:spPr>
+              <a:solidFill>
+                <a:schemeClr val="accent2"/>
+              </a:solidFill>
+              <a:ln w="19050">
+                <a:solidFill>
+                  <a:schemeClr val="lt1"/>
+                </a:solidFill>
+              </a:ln>
+              <a:effectLst/>
+            </c:spPr>
+            <c:extLst>
+              <c:ext xmlns:c16="http://schemas.microsoft.com/office/drawing/2014/chart" uri="{C3380CC4-5D6E-409C-BE32-E72D297353CC}">
+                <c16:uniqueId val="{00000003-2CB5-41F7-9A73-88BA81C9FA62}"/>
+              </c:ext>
+            </c:extLst>
+          </c:dPt>
+          <c:dPt>
+            <c:idx val="2"/>
+            <c:bubble3D val="0"/>
+            <c:spPr>
+              <a:solidFill>
+                <a:schemeClr val="accent3"/>
+              </a:solidFill>
+              <a:ln w="19050">
+                <a:solidFill>
+                  <a:schemeClr val="lt1"/>
+                </a:solidFill>
+              </a:ln>
+              <a:effectLst/>
+            </c:spPr>
+            <c:extLst>
+              <c:ext xmlns:c16="http://schemas.microsoft.com/office/drawing/2014/chart" uri="{C3380CC4-5D6E-409C-BE32-E72D297353CC}">
+                <c16:uniqueId val="{00000005-2CB5-41F7-9A73-88BA81C9FA62}"/>
+              </c:ext>
+            </c:extLst>
+          </c:dPt>
+          <c:cat>
+            <c:strRef>
+              <c:f>Sheet1!$A$2:$A$4</c:f>
+              <c:strCache>
+                <c:ptCount val="3"/>
+                <c:pt idx="0">
+                  <c:v>Catabolic enzymes</c:v>
+                </c:pt>
+                <c:pt idx="1">
+                  <c:v>Ribosomes</c:v>
+                </c:pt>
+                <c:pt idx="2">
+                  <c:v>Other components</c:v>
+                </c:pt>
+              </c:strCache>
+            </c:strRef>
+          </c:cat>
+          <c:val>
+            <c:numRef>
+              <c:f>Sheet1!$B$2:$B$4</c:f>
+              <c:numCache>
+                <c:formatCode>General</c:formatCode>
+                <c:ptCount val="3"/>
+                <c:pt idx="0">
+                  <c:v>1</c:v>
+                </c:pt>
+                <c:pt idx="1">
+                  <c:v>1</c:v>
+                </c:pt>
+                <c:pt idx="2">
+                  <c:v>1</c:v>
+                </c:pt>
+              </c:numCache>
+            </c:numRef>
+          </c:val>
+          <c:extLst>
+            <c:ext xmlns:c16="http://schemas.microsoft.com/office/drawing/2014/chart" uri="{C3380CC4-5D6E-409C-BE32-E72D297353CC}">
+              <c16:uniqueId val="{00000006-2CB5-41F7-9A73-88BA81C9FA62}"/>
+            </c:ext>
+          </c:extLst>
+        </c:ser>
+        <c:dLbls>
+          <c:showLegendKey val="0"/>
+          <c:showVal val="0"/>
+          <c:showCatName val="0"/>
+          <c:showSerName val="0"/>
+          <c:showPercent val="0"/>
+          <c:showBubbleSize val="0"/>
+          <c:showLeaderLines val="1"/>
+        </c:dLbls>
+        <c:firstSliceAng val="0"/>
+      </c:pieChart>
+      <c:spPr>
+        <a:noFill/>
+        <a:ln>
+          <a:noFill/>
+        </a:ln>
+        <a:effectLst/>
+      </c:spPr>
+    </c:plotArea>
+    <c:plotVisOnly val="1"/>
+    <c:dispBlanksAs val="gap"/>
+    <c:showDLblsOverMax val="0"/>
+  </c:chart>
+  <c:spPr>
+    <a:noFill/>
+    <a:ln>
+      <a:noFill/>
+    </a:ln>
+    <a:effectLst/>
+  </c:spPr>
+  <c:txPr>
+    <a:bodyPr/>
+    <a:lstStyle/>
+    <a:p>
+      <a:pPr>
+        <a:defRPr/>
+      </a:pPr>
+      <a:endParaRPr lang="en-US"/>
+    </a:p>
+  </c:txPr>
+  <c:externalData r:id="rId3">
+    <c:autoUpdate val="0"/>
+  </c:externalData>
+</c:chartSpace>
+</file>
+
+<file path=ppt/charts/colors1.xml><?xml version="1.0" encoding="utf-8"?>
+<cs:colorStyle xmlns:cs="http://schemas.microsoft.com/office/drawing/2012/chartStyle" xmlns:a="http://schemas.openxmlformats.org/drawingml/2006/main" meth="cycle" id="10">
+  <a:schemeClr val="accent1"/>
+  <a:schemeClr val="accent2"/>
+  <a:schemeClr val="accent3"/>
+  <a:schemeClr val="accent4"/>
+  <a:schemeClr val="accent5"/>
+  <a:schemeClr val="accent6"/>
+  <cs:variation/>
+  <cs:variation>
+    <a:lumMod val="60000"/>
+  </cs:variation>
+  <cs:variation>
+    <a:lumMod val="80000"/>
+    <a:lumOff val="20000"/>
+  </cs:variation>
+  <cs:variation>
+    <a:lumMod val="80000"/>
+  </cs:variation>
+  <cs:variation>
+    <a:lumMod val="60000"/>
+    <a:lumOff val="40000"/>
+  </cs:variation>
+  <cs:variation>
+    <a:lumMod val="50000"/>
+  </cs:variation>
+  <cs:variation>
+    <a:lumMod val="70000"/>
+    <a:lumOff val="30000"/>
+  </cs:variation>
+  <cs:variation>
+    <a:lumMod val="70000"/>
+  </cs:variation>
+  <cs:variation>
+    <a:lumMod val="50000"/>
+    <a:lumOff val="50000"/>
+  </cs:variation>
+</cs:colorStyle>
+</file>
+
+<file path=ppt/charts/style1.xml><?xml version="1.0" encoding="utf-8"?>
+<cs:chartStyle xmlns:cs="http://schemas.microsoft.com/office/drawing/2012/chartStyle" xmlns:a="http://schemas.openxmlformats.org/drawingml/2006/main" id="251">
+  <cs:axisTitle>
+    <cs:lnRef idx="0"/>
+    <cs:fillRef idx="0"/>
+    <cs:effectRef idx="0"/>
+    <cs:fontRef idx="minor">
+      <a:schemeClr val="tx1">
+        <a:lumMod val="65000"/>
+        <a:lumOff val="35000"/>
+      </a:schemeClr>
+    </cs:fontRef>
+    <cs:defRPr sz="1330" kern="1200"/>
+  </cs:axisTitle>
+  <cs:categoryAxis>
+    <cs:lnRef idx="0"/>
+    <cs:fillRef idx="0"/>
+    <cs:effectRef idx="0"/>
+    <cs:fontRef idx="minor">
+      <a:schemeClr val="tx1">
+        <a:lumMod val="65000"/>
+        <a:lumOff val="35000"/>
+      </a:schemeClr>
+    </cs:fontRef>
+    <cs:spPr>
+      <a:ln w="9525" cap="flat" cmpd="sng" algn="ctr">
+        <a:solidFill>
+          <a:schemeClr val="tx1">
+            <a:lumMod val="15000"/>
+            <a:lumOff val="85000"/>
+          </a:schemeClr>
+        </a:solidFill>
+        <a:round/>
+      </a:ln>
+    </cs:spPr>
+    <cs:defRPr sz="1197" kern="1200"/>
+  </cs:categoryAxis>
+  <cs:chartArea mods="allowNoFillOverride allowNoLineOverride">
+    <cs:lnRef idx="0"/>
+    <cs:fillRef idx="0"/>
+    <cs:effectRef idx="0"/>
+    <cs:fontRef idx="minor">
+      <a:schemeClr val="tx1"/>
+    </cs:fontRef>
+    <cs:spPr>
+      <a:solidFill>
+        <a:schemeClr val="bg1"/>
+      </a:solidFill>
+      <a:ln w="9525" cap="flat" cmpd="sng" algn="ctr">
+        <a:solidFill>
+          <a:schemeClr val="tx1">
+            <a:lumMod val="15000"/>
+            <a:lumOff val="85000"/>
+          </a:schemeClr>
+        </a:solidFill>
+        <a:round/>
+      </a:ln>
+    </cs:spPr>
+    <cs:defRPr sz="1197" kern="1200"/>
+  </cs:chartArea>
+  <cs:dataLabel>
+    <cs:lnRef idx="0"/>
+    <cs:fillRef idx="0"/>
+    <cs:effectRef idx="0"/>
+    <cs:fontRef idx="minor">
+      <a:schemeClr val="tx1">
+        <a:lumMod val="75000"/>
+        <a:lumOff val="25000"/>
+      </a:schemeClr>
+    </cs:fontRef>
+    <cs:defRPr sz="1197" kern="1200"/>
+  </cs:dataLabel>
+  <cs:dataLabelCallout>
+    <cs:lnRef idx="0"/>
+    <cs:fillRef idx="0"/>
+    <cs:effectRef idx="0"/>
+    <cs:fontRef idx="minor">
+      <a:schemeClr val="dk1">
+        <a:lumMod val="65000"/>
+        <a:lumOff val="35000"/>
+      </a:schemeClr>
+    </cs:fontRef>
+    <cs:spPr>
+      <a:solidFill>
+        <a:schemeClr val="lt1"/>
+      </a:solidFill>
+      <a:ln>
+        <a:solidFill>
+          <a:schemeClr val="dk1">
+            <a:lumMod val="25000"/>
+            <a:lumOff val="75000"/>
+          </a:schemeClr>
+        </a:solidFill>
+      </a:ln>
+    </cs:spPr>
+    <cs:defRPr sz="1197" kern="1200"/>
+    <cs:bodyPr rot="0" spcFirstLastPara="1" vertOverflow="clip" horzOverflow="clip" vert="horz" wrap="square" lIns="36576" tIns="18288" rIns="36576" bIns="18288" anchor="ctr" anchorCtr="1">
+      <a:spAutoFit/>
+    </cs:bodyPr>
+  </cs:dataLabelCallout>
+  <cs:dataPoint>
+    <cs:lnRef idx="0"/>
+    <cs:fillRef idx="1">
+      <cs:styleClr val="auto"/>
+    </cs:fillRef>
+    <cs:effectRef idx="0"/>
+    <cs:fontRef idx="minor">
+      <a:schemeClr val="tx1"/>
+    </cs:fontRef>
+    <cs:spPr>
+      <a:ln w="19050">
+        <a:solidFill>
+          <a:schemeClr val="lt1"/>
+        </a:solidFill>
+      </a:ln>
+    </cs:spPr>
+  </cs:dataPoint>
+  <cs:dataPoint3D>
+    <cs:lnRef idx="0"/>
+    <cs:fillRef idx="1">
+      <cs:styleClr val="auto"/>
+    </cs:fillRef>
+    <cs:effectRef idx="0"/>
+    <cs:fontRef idx="minor">
+      <a:schemeClr val="tx1"/>
+    </cs:fontRef>
+    <cs:spPr>
+      <a:ln w="25400">
+        <a:solidFill>
+          <a:schemeClr val="lt1"/>
+        </a:solidFill>
+      </a:ln>
+    </cs:spPr>
+  </cs:dataPoint3D>
+  <cs:dataPointLine>
+    <cs:lnRef idx="0">
+      <cs:styleClr val="auto"/>
+    </cs:lnRef>
+    <cs:fillRef idx="0"/>
+    <cs:effectRef idx="0"/>
+    <cs:fontRef idx="minor">
+      <a:schemeClr val="tx1"/>
+    </cs:fontRef>
+    <cs:spPr>
+      <a:ln w="28575" cap="rnd">
+        <a:solidFill>
+          <a:schemeClr val="phClr"/>
+        </a:solidFill>
+        <a:round/>
+      </a:ln>
+    </cs:spPr>
+  </cs:dataPointLine>
+  <cs:dataPointMarker>
+    <cs:lnRef idx="0">
+      <cs:styleClr val="auto"/>
+    </cs:lnRef>
+    <cs:fillRef idx="1">
+      <cs:styleClr val="auto"/>
+    </cs:fillRef>
+    <cs:effectRef idx="0"/>
+    <cs:fontRef idx="minor">
+      <a:schemeClr val="tx1"/>
+    </cs:fontRef>
+    <cs:spPr>
+      <a:ln w="9525">
+        <a:solidFill>
+          <a:schemeClr val="phClr"/>
+        </a:solidFill>
+      </a:ln>
+    </cs:spPr>
+  </cs:dataPointMarker>
+  <cs:dataPointMarkerLayout symbol="circle" size="5"/>
+  <cs:dataPointWireframe>
+    <cs:lnRef idx="0">
+      <cs:styleClr val="auto"/>
+    </cs:lnRef>
+    <cs:fillRef idx="0"/>
+    <cs:effectRef idx="0"/>
+    <cs:fontRef idx="minor">
+      <a:schemeClr val="tx1"/>
+    </cs:fontRef>
+    <cs:spPr>
+      <a:ln w="9525" cap="rnd">
+        <a:solidFill>
+          <a:schemeClr val="phClr"/>
+        </a:solidFill>
+        <a:round/>
+      </a:ln>
+    </cs:spPr>
+  </cs:dataPointWireframe>
+  <cs:dataTable>
+    <cs:lnRef idx="0"/>
+    <cs:fillRef idx="0"/>
+    <cs:effectRef idx="0"/>
+    <cs:fontRef idx="minor">
+      <a:schemeClr val="tx1">
+        <a:lumMod val="65000"/>
+        <a:lumOff val="35000"/>
+      </a:schemeClr>
+    </cs:fontRef>
+    <cs:spPr>
+      <a:noFill/>
+      <a:ln w="9525" cap="flat" cmpd="sng" algn="ctr">
+        <a:solidFill>
+          <a:schemeClr val="tx1">
+            <a:lumMod val="15000"/>
+            <a:lumOff val="85000"/>
+          </a:schemeClr>
+        </a:solidFill>
+        <a:round/>
+      </a:ln>
+    </cs:spPr>
+    <cs:defRPr sz="1197" kern="1200"/>
+  </cs:dataTable>
+  <cs:downBar>
+    <cs:lnRef idx="0"/>
+    <cs:fillRef idx="0"/>
+    <cs:effectRef idx="0"/>
+    <cs:fontRef idx="minor">
+      <a:schemeClr val="tx1"/>
+    </cs:fontRef>
+    <cs:spPr>
+      <a:solidFill>
+        <a:schemeClr val="dk1">
+          <a:lumMod val="75000"/>
+          <a:lumOff val="25000"/>
+        </a:schemeClr>
+      </a:solidFill>
+      <a:ln w="9525" cap="flat" cmpd="sng" algn="ctr">
+        <a:solidFill>
+          <a:schemeClr val="tx1">
+            <a:lumMod val="65000"/>
+            <a:lumOff val="35000"/>
+          </a:schemeClr>
+        </a:solidFill>
+        <a:round/>
+      </a:ln>
+    </cs:spPr>
+  </cs:downBar>
+  <cs:dropLine>
+    <cs:lnRef idx="0"/>
+    <cs:fillRef idx="0"/>
+    <cs:effectRef idx="0"/>
+    <cs:fontRef idx="minor">
+      <a:schemeClr val="tx1"/>
+    </cs:fontRef>
+    <cs:spPr>
+      <a:ln w="9525" cap="flat" cmpd="sng" algn="ctr">
+        <a:solidFill>
+          <a:schemeClr val="tx1">
+            <a:lumMod val="35000"/>
+            <a:lumOff val="65000"/>
+          </a:schemeClr>
+        </a:solidFill>
+        <a:round/>
+      </a:ln>
+    </cs:spPr>
+  </cs:dropLine>
+  <cs:errorBar>
+    <cs:lnRef idx="0"/>
+    <cs:fillRef idx="0"/>
+    <cs:effectRef idx="0"/>
+    <cs:fontRef idx="minor">
+      <a:schemeClr val="tx1"/>
+    </cs:fontRef>
+    <cs:spPr>
+      <a:ln w="9525" cap="flat" cmpd="sng" algn="ctr">
+        <a:solidFill>
+          <a:schemeClr val="tx1">
+            <a:lumMod val="65000"/>
+            <a:lumOff val="35000"/>
+          </a:schemeClr>
+        </a:solidFill>
+        <a:round/>
+      </a:ln>
+    </cs:spPr>
+  </cs:errorBar>
+  <cs:floor>
+    <cs:lnRef idx="0"/>
+    <cs:fillRef idx="0"/>
+    <cs:effectRef idx="0"/>
+    <cs:fontRef idx="minor">
+      <a:schemeClr val="tx1"/>
+    </cs:fontRef>
+    <cs:spPr>
+      <a:noFill/>
+      <a:ln>
+        <a:noFill/>
+      </a:ln>
+    </cs:spPr>
+  </cs:floor>
+  <cs:gridlineMajor>
+    <cs:lnRef idx="0"/>
+    <cs:fillRef idx="0"/>
+    <cs:effectRef idx="0"/>
+    <cs:fontRef idx="minor">
+      <a:schemeClr val="tx1"/>
+    </cs:fontRef>
+    <cs:spPr>
+      <a:ln w="9525" cap="flat" cmpd="sng" algn="ctr">
+        <a:solidFill>
+          <a:schemeClr val="tx1">
+            <a:lumMod val="15000"/>
+            <a:lumOff val="85000"/>
+          </a:schemeClr>
+        </a:solidFill>
+        <a:round/>
+      </a:ln>
+    </cs:spPr>
+  </cs:gridlineMajor>
+  <cs:gridlineMinor>
+    <cs:lnRef idx="0"/>
+    <cs:fillRef idx="0"/>
+    <cs:effectRef idx="0"/>
+    <cs:fontRef idx="minor">
+      <a:schemeClr val="tx1"/>
+    </cs:fontRef>
+    <cs:spPr>
+      <a:ln w="9525" cap="flat" cmpd="sng" algn="ctr">
+        <a:solidFill>
+          <a:schemeClr val="tx1">
+            <a:lumMod val="5000"/>
+            <a:lumOff val="95000"/>
+          </a:schemeClr>
+        </a:solidFill>
+        <a:round/>
+      </a:ln>
+    </cs:spPr>
+  </cs:gridlineMinor>
+  <cs:hiLoLine>
+    <cs:lnRef idx="0"/>
+    <cs:fillRef idx="0"/>
+    <cs:effectRef idx="0"/>
+    <cs:fontRef idx="minor">
+      <a:schemeClr val="tx1"/>
+    </cs:fontRef>
+    <cs:spPr>
+      <a:ln w="9525" cap="flat" cmpd="sng" algn="ctr">
+        <a:solidFill>
+          <a:schemeClr val="tx1">
+            <a:lumMod val="50000"/>
+            <a:lumOff val="50000"/>
+          </a:schemeClr>
+        </a:solidFill>
+        <a:round/>
+      </a:ln>
+    </cs:spPr>
+  </cs:hiLoLine>
+  <cs:leaderLine>
+    <cs:lnRef idx="0"/>
+    <cs:fillRef idx="0"/>
+    <cs:effectRef idx="0"/>
+    <cs:fontRef idx="minor">
+      <a:schemeClr val="tx1"/>
+    </cs:fontRef>
+    <cs:spPr>
+      <a:ln w="9525" cap="flat" cmpd="sng" algn="ctr">
+        <a:solidFill>
+          <a:schemeClr val="tx1">
+            <a:lumMod val="35000"/>
+            <a:lumOff val="65000"/>
+          </a:schemeClr>
+        </a:solidFill>
+        <a:round/>
+      </a:ln>
+    </cs:spPr>
+  </cs:leaderLine>
+  <cs:legend>
+    <cs:lnRef idx="0"/>
+    <cs:fillRef idx="0"/>
+    <cs:effectRef idx="0"/>
+    <cs:fontRef idx="minor">
+      <a:schemeClr val="tx1">
+        <a:lumMod val="65000"/>
+        <a:lumOff val="35000"/>
+      </a:schemeClr>
+    </cs:fontRef>
+    <cs:defRPr sz="1197" kern="1200"/>
+  </cs:legend>
+  <cs:plotArea mods="allowNoFillOverride allowNoLineOverride">
+    <cs:lnRef idx="0"/>
+    <cs:fillRef idx="0"/>
+    <cs:effectRef idx="0"/>
+    <cs:fontRef idx="minor">
+      <a:schemeClr val="tx1"/>
+    </cs:fontRef>
+  </cs:plotArea>
+  <cs:plotArea3D mods="allowNoFillOverride allowNoLineOverride">
+    <cs:lnRef idx="0"/>
+    <cs:fillRef idx="0"/>
+    <cs:effectRef idx="0"/>
+    <cs:fontRef idx="minor">
+      <a:schemeClr val="tx1"/>
+    </cs:fontRef>
+  </cs:plotArea3D>
+  <cs:seriesAxis>
+    <cs:lnRef idx="0"/>
+    <cs:fillRef idx="0"/>
+    <cs:effectRef idx="0"/>
+    <cs:fontRef idx="minor">
+      <a:schemeClr val="tx1">
+        <a:lumMod val="65000"/>
+        <a:lumOff val="35000"/>
+      </a:schemeClr>
+    </cs:fontRef>
+    <cs:defRPr sz="1197" kern="1200"/>
+  </cs:seriesAxis>
+  <cs:seriesLine>
+    <cs:lnRef idx="0"/>
+    <cs:fillRef idx="0"/>
+    <cs:effectRef idx="0"/>
+    <cs:fontRef idx="minor">
+      <a:schemeClr val="tx1"/>
+    </cs:fontRef>
+    <cs:spPr>
+      <a:ln w="9525" cap="flat" cmpd="sng" algn="ctr">
+        <a:solidFill>
+          <a:schemeClr val="tx1">
+            <a:lumMod val="35000"/>
+            <a:lumOff val="65000"/>
+          </a:schemeClr>
+        </a:solidFill>
+        <a:round/>
+      </a:ln>
+    </cs:spPr>
+  </cs:seriesLine>
+  <cs:title>
+    <cs:lnRef idx="0"/>
+    <cs:fillRef idx="0"/>
+    <cs:effectRef idx="0"/>
+    <cs:fontRef idx="minor">
+      <a:schemeClr val="tx1">
+        <a:lumMod val="65000"/>
+        <a:lumOff val="35000"/>
+      </a:schemeClr>
+    </cs:fontRef>
+    <cs:defRPr sz="1862" b="0" kern="1200" spc="0" baseline="0"/>
+  </cs:title>
+  <cs:trendline>
+    <cs:lnRef idx="0">
+      <cs:styleClr val="auto"/>
+    </cs:lnRef>
+    <cs:fillRef idx="0"/>
+    <cs:effectRef idx="0"/>
+    <cs:fontRef idx="minor">
+      <a:schemeClr val="tx1"/>
+    </cs:fontRef>
+    <cs:spPr>
+      <a:ln w="19050" cap="rnd">
+        <a:solidFill>
+          <a:schemeClr val="phClr"/>
+        </a:solidFill>
+        <a:prstDash val="sysDot"/>
+      </a:ln>
+    </cs:spPr>
+  </cs:trendline>
+  <cs:trendlineLabel>
+    <cs:lnRef idx="0"/>
+    <cs:fillRef idx="0"/>
+    <cs:effectRef idx="0"/>
+    <cs:fontRef idx="minor">
+      <a:schemeClr val="tx1">
+        <a:lumMod val="65000"/>
+        <a:lumOff val="35000"/>
+      </a:schemeClr>
+    </cs:fontRef>
+    <cs:defRPr sz="1197" kern="1200"/>
+  </cs:trendlineLabel>
+  <cs:upBar>
+    <cs:lnRef idx="0"/>
+    <cs:fillRef idx="0"/>
+    <cs:effectRef idx="0"/>
+    <cs:fontRef idx="minor">
+      <a:schemeClr val="tx1"/>
+    </cs:fontRef>
+    <cs:spPr>
+      <a:solidFill>
+        <a:schemeClr val="lt1"/>
+      </a:solidFill>
+      <a:ln w="9525" cap="flat" cmpd="sng" algn="ctr">
+        <a:solidFill>
+          <a:schemeClr val="tx1">
+            <a:lumMod val="65000"/>
+            <a:lumOff val="35000"/>
+          </a:schemeClr>
+        </a:solidFill>
+        <a:round/>
+      </a:ln>
+    </cs:spPr>
+  </cs:upBar>
+  <cs:valueAxis>
+    <cs:lnRef idx="0"/>
+    <cs:fillRef idx="0"/>
+    <cs:effectRef idx="0"/>
+    <cs:fontRef idx="minor">
+      <a:schemeClr val="tx1">
+        <a:lumMod val="65000"/>
+        <a:lumOff val="35000"/>
+      </a:schemeClr>
+    </cs:fontRef>
+    <cs:defRPr sz="1197" kern="1200"/>
+  </cs:valueAxis>
+  <cs:wall>
+    <cs:lnRef idx="0"/>
+    <cs:fillRef idx="0"/>
+    <cs:effectRef idx="0"/>
+    <cs:fontRef idx="minor">
+      <a:schemeClr val="tx1"/>
+    </cs:fontRef>
+    <cs:spPr>
+      <a:noFill/>
+      <a:ln>
+        <a:noFill/>
+      </a:ln>
+    </cs:spPr>
+  </cs:wall>
+</cs:chartStyle>
+</file>
+
 <file path=ppt/slideLayouts/slideLayout1.xml><?xml version="1.0" encoding="utf-8"?>
 <p:sldLayout xmlns:a="http://schemas.openxmlformats.org/drawingml/2006/main" xmlns:r="http://schemas.openxmlformats.org/officeDocument/2006/relationships" xmlns:p="http://schemas.openxmlformats.org/presentationml/2006/main" type="title" preserve="1">
   <p:cSld name="Title Slide">
@@ -246,7 +986,7 @@
           <a:p>
             <a:fld id="{7CC9B9C6-CD82-4E96-B6AA-3311BE7ABF0D}" type="datetimeFigureOut">
               <a:rPr lang="en-GB" smtClean="0"/>
-              <a:t>01/02/2022</a:t>
+              <a:t>02/02/2022</a:t>
             </a:fld>
             <a:endParaRPr lang="en-GB"/>
           </a:p>
@@ -416,7 +1156,7 @@
           <a:p>
             <a:fld id="{7CC9B9C6-CD82-4E96-B6AA-3311BE7ABF0D}" type="datetimeFigureOut">
               <a:rPr lang="en-GB" smtClean="0"/>
-              <a:t>01/02/2022</a:t>
+              <a:t>02/02/2022</a:t>
             </a:fld>
             <a:endParaRPr lang="en-GB"/>
           </a:p>
@@ -596,7 +1336,7 @@
           <a:p>
             <a:fld id="{7CC9B9C6-CD82-4E96-B6AA-3311BE7ABF0D}" type="datetimeFigureOut">
               <a:rPr lang="en-GB" smtClean="0"/>
-              <a:t>01/02/2022</a:t>
+              <a:t>02/02/2022</a:t>
             </a:fld>
             <a:endParaRPr lang="en-GB"/>
           </a:p>
@@ -766,7 +1506,7 @@
           <a:p>
             <a:fld id="{7CC9B9C6-CD82-4E96-B6AA-3311BE7ABF0D}" type="datetimeFigureOut">
               <a:rPr lang="en-GB" smtClean="0"/>
-              <a:t>01/02/2022</a:t>
+              <a:t>02/02/2022</a:t>
             </a:fld>
             <a:endParaRPr lang="en-GB"/>
           </a:p>
@@ -1012,7 +1752,7 @@
           <a:p>
             <a:fld id="{7CC9B9C6-CD82-4E96-B6AA-3311BE7ABF0D}" type="datetimeFigureOut">
               <a:rPr lang="en-GB" smtClean="0"/>
-              <a:t>01/02/2022</a:t>
+              <a:t>02/02/2022</a:t>
             </a:fld>
             <a:endParaRPr lang="en-GB"/>
           </a:p>
@@ -1244,7 +1984,7 @@
           <a:p>
             <a:fld id="{7CC9B9C6-CD82-4E96-B6AA-3311BE7ABF0D}" type="datetimeFigureOut">
               <a:rPr lang="en-GB" smtClean="0"/>
-              <a:t>01/02/2022</a:t>
+              <a:t>02/02/2022</a:t>
             </a:fld>
             <a:endParaRPr lang="en-GB"/>
           </a:p>
@@ -1611,7 +2351,7 @@
           <a:p>
             <a:fld id="{7CC9B9C6-CD82-4E96-B6AA-3311BE7ABF0D}" type="datetimeFigureOut">
               <a:rPr lang="en-GB" smtClean="0"/>
-              <a:t>01/02/2022</a:t>
+              <a:t>02/02/2022</a:t>
             </a:fld>
             <a:endParaRPr lang="en-GB"/>
           </a:p>
@@ -1729,7 +2469,7 @@
           <a:p>
             <a:fld id="{7CC9B9C6-CD82-4E96-B6AA-3311BE7ABF0D}" type="datetimeFigureOut">
               <a:rPr lang="en-GB" smtClean="0"/>
-              <a:t>01/02/2022</a:t>
+              <a:t>02/02/2022</a:t>
             </a:fld>
             <a:endParaRPr lang="en-GB"/>
           </a:p>
@@ -1824,7 +2564,7 @@
           <a:p>
             <a:fld id="{7CC9B9C6-CD82-4E96-B6AA-3311BE7ABF0D}" type="datetimeFigureOut">
               <a:rPr lang="en-GB" smtClean="0"/>
-              <a:t>01/02/2022</a:t>
+              <a:t>02/02/2022</a:t>
             </a:fld>
             <a:endParaRPr lang="en-GB"/>
           </a:p>
@@ -2101,7 +2841,7 @@
           <a:p>
             <a:fld id="{7CC9B9C6-CD82-4E96-B6AA-3311BE7ABF0D}" type="datetimeFigureOut">
               <a:rPr lang="en-GB" smtClean="0"/>
-              <a:t>01/02/2022</a:t>
+              <a:t>02/02/2022</a:t>
             </a:fld>
             <a:endParaRPr lang="en-GB"/>
           </a:p>
@@ -2354,7 +3094,7 @@
           <a:p>
             <a:fld id="{7CC9B9C6-CD82-4E96-B6AA-3311BE7ABF0D}" type="datetimeFigureOut">
               <a:rPr lang="en-GB" smtClean="0"/>
-              <a:t>01/02/2022</a:t>
+              <a:t>02/02/2022</a:t>
             </a:fld>
             <a:endParaRPr lang="en-GB"/>
           </a:p>
@@ -2567,7 +3307,7 @@
           <a:p>
             <a:fld id="{7CC9B9C6-CD82-4E96-B6AA-3311BE7ABF0D}" type="datetimeFigureOut">
               <a:rPr lang="en-GB" smtClean="0"/>
-              <a:t>01/02/2022</a:t>
+              <a:t>02/02/2022</a:t>
             </a:fld>
             <a:endParaRPr lang="en-GB"/>
           </a:p>
@@ -5313,6 +6053,1115 @@
 </p:sld>
 </file>
 
+<file path=ppt/slides/slide5.xml><?xml version="1.0" encoding="utf-8"?>
+<p:sld xmlns:a="http://schemas.openxmlformats.org/drawingml/2006/main" xmlns:r="http://schemas.openxmlformats.org/officeDocument/2006/relationships" xmlns:p="http://schemas.openxmlformats.org/presentationml/2006/main">
+  <p:cSld>
+    <p:spTree>
+      <p:nvGrpSpPr>
+        <p:cNvPr id="1" name=""/>
+        <p:cNvGrpSpPr/>
+        <p:nvPr/>
+      </p:nvGrpSpPr>
+      <p:grpSpPr>
+        <a:xfrm>
+          <a:off x="0" y="0"/>
+          <a:ext cx="0" cy="0"/>
+          <a:chOff x="0" y="0"/>
+          <a:chExt cx="0" cy="0"/>
+        </a:xfrm>
+      </p:grpSpPr>
+      <p:sp>
+        <p:nvSpPr>
+          <p:cNvPr id="4" name="TextBox 3"/>
+          <p:cNvSpPr txBox="1"/>
+          <p:nvPr/>
+        </p:nvSpPr>
+        <p:spPr>
+          <a:xfrm>
+            <a:off x="-116999" y="3834263"/>
+            <a:ext cx="2269864" cy="523220"/>
+          </a:xfrm>
+          <a:prstGeom prst="rect">
+            <a:avLst/>
+          </a:prstGeom>
+          <a:noFill/>
+        </p:spPr>
+        <p:txBody>
+          <a:bodyPr wrap="square" rtlCol="0">
+            <a:spAutoFit/>
+          </a:bodyPr>
+          <a:lstStyle/>
+          <a:p>
+            <a:pPr algn="ctr"/>
+            <a:r>
+              <a:rPr lang="en-GB" sz="2800" b="1" dirty="0" smtClean="0"/>
+              <a:t>Nutrients</a:t>
+            </a:r>
+          </a:p>
+        </p:txBody>
+      </p:sp>
+      <p:sp>
+        <p:nvSpPr>
+          <p:cNvPr id="6" name="TextBox 5"/>
+          <p:cNvSpPr txBox="1"/>
+          <p:nvPr/>
+        </p:nvSpPr>
+        <p:spPr>
+          <a:xfrm>
+            <a:off x="8433186" y="4399381"/>
+            <a:ext cx="3076687" cy="523220"/>
+          </a:xfrm>
+          <a:prstGeom prst="rect">
+            <a:avLst/>
+          </a:prstGeom>
+          <a:noFill/>
+        </p:spPr>
+        <p:txBody>
+          <a:bodyPr wrap="square" rtlCol="0">
+            <a:spAutoFit/>
+          </a:bodyPr>
+          <a:lstStyle/>
+          <a:p>
+            <a:pPr algn="ctr"/>
+            <a:r>
+              <a:rPr lang="en-GB" sz="2800" b="1" dirty="0" smtClean="0"/>
+              <a:t>Biomass</a:t>
+            </a:r>
+          </a:p>
+        </p:txBody>
+      </p:sp>
+      <p:cxnSp>
+        <p:nvCxnSpPr>
+          <p:cNvPr id="8" name="Straight Arrow Connector 7"/>
+          <p:cNvCxnSpPr/>
+          <p:nvPr/>
+        </p:nvCxnSpPr>
+        <p:spPr>
+          <a:xfrm>
+            <a:off x="1499658" y="4622891"/>
+            <a:ext cx="2972024" cy="0"/>
+          </a:xfrm>
+          <a:prstGeom prst="straightConnector1">
+            <a:avLst/>
+          </a:prstGeom>
+          <a:ln w="76200">
+            <a:tailEnd type="triangle"/>
+          </a:ln>
+        </p:spPr>
+        <p:style>
+          <a:lnRef idx="1">
+            <a:schemeClr val="accent1"/>
+          </a:lnRef>
+          <a:fillRef idx="0">
+            <a:schemeClr val="accent1"/>
+          </a:fillRef>
+          <a:effectRef idx="0">
+            <a:schemeClr val="accent1"/>
+          </a:effectRef>
+          <a:fontRef idx="minor">
+            <a:schemeClr val="tx1"/>
+          </a:fontRef>
+        </p:style>
+      </p:cxnSp>
+      <p:cxnSp>
+        <p:nvCxnSpPr>
+          <p:cNvPr id="9" name="Straight Arrow Connector 8"/>
+          <p:cNvCxnSpPr/>
+          <p:nvPr/>
+        </p:nvCxnSpPr>
+        <p:spPr>
+          <a:xfrm>
+            <a:off x="5709708" y="4660991"/>
+            <a:ext cx="3074895" cy="0"/>
+          </a:xfrm>
+          <a:prstGeom prst="straightConnector1">
+            <a:avLst/>
+          </a:prstGeom>
+          <a:ln w="76200">
+            <a:tailEnd type="triangle"/>
+          </a:ln>
+        </p:spPr>
+        <p:style>
+          <a:lnRef idx="1">
+            <a:schemeClr val="accent2"/>
+          </a:lnRef>
+          <a:fillRef idx="0">
+            <a:schemeClr val="accent2"/>
+          </a:fillRef>
+          <a:effectRef idx="0">
+            <a:schemeClr val="accent2"/>
+          </a:effectRef>
+          <a:fontRef idx="minor">
+            <a:schemeClr val="tx1"/>
+          </a:fontRef>
+        </p:style>
+      </p:cxnSp>
+      <p:pic>
+        <p:nvPicPr>
+          <p:cNvPr id="30" name="Picture 29"/>
+          <p:cNvPicPr>
+            <a:picLocks noChangeAspect="1"/>
+          </p:cNvPicPr>
+          <p:nvPr/>
+        </p:nvPicPr>
+        <p:blipFill>
+          <a:blip r:embed="rId2">
+            <a:extLst>
+              <a:ext uri="{28A0092B-C50C-407E-A947-70E740481C1C}">
+                <a14:useLocalDpi xmlns:a14="http://schemas.microsoft.com/office/drawing/2010/main" val="0"/>
+              </a:ext>
+            </a:extLst>
+          </a:blip>
+          <a:stretch>
+            <a:fillRect/>
+          </a:stretch>
+        </p:blipFill>
+        <p:spPr>
+          <a:xfrm>
+            <a:off x="6118325" y="2579516"/>
+            <a:ext cx="1594698" cy="271964"/>
+          </a:xfrm>
+          <a:prstGeom prst="rect">
+            <a:avLst/>
+          </a:prstGeom>
+          <a:solidFill>
+            <a:schemeClr val="bg2">
+              <a:lumMod val="90000"/>
+            </a:schemeClr>
+          </a:solidFill>
+        </p:spPr>
+      </p:pic>
+      <p:sp>
+        <p:nvSpPr>
+          <p:cNvPr id="32" name="Hexagon 31"/>
+          <p:cNvSpPr/>
+          <p:nvPr/>
+        </p:nvSpPr>
+        <p:spPr>
+          <a:xfrm>
+            <a:off x="754355" y="4434457"/>
+            <a:ext cx="360000" cy="360000"/>
+          </a:xfrm>
+          <a:prstGeom prst="hexagon">
+            <a:avLst/>
+          </a:prstGeom>
+        </p:spPr>
+        <p:style>
+          <a:lnRef idx="2">
+            <a:schemeClr val="accent1">
+              <a:shade val="50000"/>
+            </a:schemeClr>
+          </a:lnRef>
+          <a:fillRef idx="1">
+            <a:schemeClr val="accent1"/>
+          </a:fillRef>
+          <a:effectRef idx="0">
+            <a:schemeClr val="accent1"/>
+          </a:effectRef>
+          <a:fontRef idx="minor">
+            <a:schemeClr val="lt1"/>
+          </a:fontRef>
+        </p:style>
+        <p:txBody>
+          <a:bodyPr rtlCol="0" anchor="ctr"/>
+          <a:lstStyle/>
+          <a:p>
+            <a:pPr algn="ctr"/>
+            <a:endParaRPr lang="en-GB"/>
+          </a:p>
+        </p:txBody>
+      </p:sp>
+      <p:graphicFrame>
+        <p:nvGraphicFramePr>
+          <p:cNvPr id="33" name="Chart 32"/>
+          <p:cNvGraphicFramePr/>
+          <p:nvPr>
+            <p:extLst/>
+          </p:nvPr>
+        </p:nvGraphicFramePr>
+        <p:xfrm>
+          <a:off x="510854" y="1982355"/>
+          <a:ext cx="2722354" cy="1867441"/>
+        </p:xfrm>
+        <a:graphic>
+          <a:graphicData uri="http://schemas.openxmlformats.org/drawingml/2006/chart">
+            <c:chart xmlns:c="http://schemas.openxmlformats.org/drawingml/2006/chart" xmlns:r="http://schemas.openxmlformats.org/officeDocument/2006/relationships" r:id="rId3"/>
+          </a:graphicData>
+        </a:graphic>
+      </p:graphicFrame>
+      <p:sp>
+        <p:nvSpPr>
+          <p:cNvPr id="34" name="Rectangle 33"/>
+          <p:cNvSpPr/>
+          <p:nvPr/>
+        </p:nvSpPr>
+        <p:spPr>
+          <a:xfrm>
+            <a:off x="1675072" y="3050207"/>
+            <a:ext cx="386644" cy="523220"/>
+          </a:xfrm>
+          <a:prstGeom prst="rect">
+            <a:avLst/>
+          </a:prstGeom>
+        </p:spPr>
+        <p:txBody>
+          <a:bodyPr wrap="none">
+            <a:spAutoFit/>
+          </a:bodyPr>
+          <a:lstStyle/>
+          <a:p>
+            <a:r>
+              <a:rPr lang="en-GB" sz="2800" b="1" dirty="0"/>
+              <a:t>R</a:t>
+            </a:r>
+            <a:endParaRPr lang="en-GB" sz="2800" dirty="0"/>
+          </a:p>
+        </p:txBody>
+      </p:sp>
+      <p:sp>
+        <p:nvSpPr>
+          <p:cNvPr id="35" name="Rectangle 34"/>
+          <p:cNvSpPr/>
+          <p:nvPr/>
+        </p:nvSpPr>
+        <p:spPr>
+          <a:xfrm>
+            <a:off x="2061716" y="2458950"/>
+            <a:ext cx="386644" cy="523220"/>
+          </a:xfrm>
+          <a:prstGeom prst="rect">
+            <a:avLst/>
+          </a:prstGeom>
+        </p:spPr>
+        <p:txBody>
+          <a:bodyPr wrap="none">
+            <a:spAutoFit/>
+          </a:bodyPr>
+          <a:lstStyle/>
+          <a:p>
+            <a:r>
+              <a:rPr lang="en-GB" sz="2800" b="1" dirty="0" smtClean="0"/>
+              <a:t>C</a:t>
+            </a:r>
+            <a:endParaRPr lang="en-GB" sz="2800" dirty="0"/>
+          </a:p>
+        </p:txBody>
+      </p:sp>
+      <p:pic>
+        <p:nvPicPr>
+          <p:cNvPr id="23" name="Afbeelding 3"/>
+          <p:cNvPicPr>
+            <a:picLocks noChangeAspect="1"/>
+          </p:cNvPicPr>
+          <p:nvPr/>
+        </p:nvPicPr>
+        <p:blipFill rotWithShape="1">
+          <a:blip r:embed="rId4" cstate="print">
+            <a:extLst>
+              <a:ext uri="{28A0092B-C50C-407E-A947-70E740481C1C}">
+                <a14:useLocalDpi xmlns:a14="http://schemas.microsoft.com/office/drawing/2010/main" val="0"/>
+              </a:ext>
+            </a:extLst>
+          </a:blip>
+          <a:srcRect l="37408" t="82642" r="56759" b="7973"/>
+          <a:stretch/>
+        </p:blipFill>
+        <p:spPr>
+          <a:xfrm>
+            <a:off x="4641721" y="4136112"/>
+            <a:ext cx="711200" cy="643467"/>
+          </a:xfrm>
+          <a:prstGeom prst="rect">
+            <a:avLst/>
+          </a:prstGeom>
+        </p:spPr>
+      </p:pic>
+      <p:sp>
+        <p:nvSpPr>
+          <p:cNvPr id="25" name="TextBox 24"/>
+          <p:cNvSpPr txBox="1"/>
+          <p:nvPr/>
+        </p:nvSpPr>
+        <p:spPr>
+          <a:xfrm>
+            <a:off x="3766600" y="3758830"/>
+            <a:ext cx="2476051" cy="523220"/>
+          </a:xfrm>
+          <a:prstGeom prst="rect">
+            <a:avLst/>
+          </a:prstGeom>
+          <a:noFill/>
+        </p:spPr>
+        <p:txBody>
+          <a:bodyPr wrap="square" rtlCol="0">
+            <a:spAutoFit/>
+          </a:bodyPr>
+          <a:lstStyle/>
+          <a:p>
+            <a:pPr algn="ctr"/>
+            <a:r>
+              <a:rPr lang="en-GB" sz="2800" b="1" dirty="0" smtClean="0"/>
+              <a:t>T</a:t>
+            </a:r>
+          </a:p>
+        </p:txBody>
+      </p:sp>
+      <p:sp>
+        <p:nvSpPr>
+          <p:cNvPr id="27" name="Arc 26"/>
+          <p:cNvSpPr/>
+          <p:nvPr/>
+        </p:nvSpPr>
+        <p:spPr>
+          <a:xfrm rot="10800000">
+            <a:off x="3690071" y="4859345"/>
+            <a:ext cx="1416757" cy="1447482"/>
+          </a:xfrm>
+          <a:prstGeom prst="arc">
+            <a:avLst>
+              <a:gd name="adj1" fmla="val 16200000"/>
+              <a:gd name="adj2" fmla="val 5798672"/>
+            </a:avLst>
+          </a:prstGeom>
+          <a:ln w="76200">
+            <a:headEnd type="none" w="med" len="med"/>
+            <a:tailEnd type="triangle" w="med" len="med"/>
+          </a:ln>
+        </p:spPr>
+        <p:style>
+          <a:lnRef idx="1">
+            <a:schemeClr val="accent1"/>
+          </a:lnRef>
+          <a:fillRef idx="0">
+            <a:schemeClr val="accent1"/>
+          </a:fillRef>
+          <a:effectRef idx="0">
+            <a:schemeClr val="accent1"/>
+          </a:effectRef>
+          <a:fontRef idx="minor">
+            <a:schemeClr val="tx1"/>
+          </a:fontRef>
+        </p:style>
+        <p:txBody>
+          <a:bodyPr rtlCol="0" anchor="ctr"/>
+          <a:lstStyle/>
+          <a:p>
+            <a:pPr algn="ctr"/>
+            <a:endParaRPr lang="en-GB"/>
+          </a:p>
+        </p:txBody>
+      </p:sp>
+      <p:sp>
+        <p:nvSpPr>
+          <p:cNvPr id="28" name="Arc 27"/>
+          <p:cNvSpPr/>
+          <p:nvPr/>
+        </p:nvSpPr>
+        <p:spPr>
+          <a:xfrm rot="10800000" flipH="1">
+            <a:off x="4932169" y="4797394"/>
+            <a:ext cx="1601607" cy="1447482"/>
+          </a:xfrm>
+          <a:prstGeom prst="arc">
+            <a:avLst>
+              <a:gd name="adj1" fmla="val 16200000"/>
+              <a:gd name="adj2" fmla="val 5518248"/>
+            </a:avLst>
+          </a:prstGeom>
+          <a:ln w="76200">
+            <a:solidFill>
+              <a:schemeClr val="accent2"/>
+            </a:solidFill>
+            <a:headEnd type="triangle" w="med" len="med"/>
+            <a:tailEnd type="none" w="med" len="med"/>
+          </a:ln>
+        </p:spPr>
+        <p:style>
+          <a:lnRef idx="1">
+            <a:schemeClr val="accent1"/>
+          </a:lnRef>
+          <a:fillRef idx="0">
+            <a:schemeClr val="accent1"/>
+          </a:fillRef>
+          <a:effectRef idx="0">
+            <a:schemeClr val="accent1"/>
+          </a:effectRef>
+          <a:fontRef idx="minor">
+            <a:schemeClr val="tx1"/>
+          </a:fontRef>
+        </p:style>
+        <p:txBody>
+          <a:bodyPr rtlCol="0" anchor="ctr"/>
+          <a:lstStyle/>
+          <a:p>
+            <a:pPr algn="ctr"/>
+            <a:endParaRPr lang="en-GB"/>
+          </a:p>
+        </p:txBody>
+      </p:sp>
+      <p:pic>
+        <p:nvPicPr>
+          <p:cNvPr id="36" name="Picture 35"/>
+          <p:cNvPicPr>
+            <a:picLocks noChangeAspect="1"/>
+          </p:cNvPicPr>
+          <p:nvPr/>
+        </p:nvPicPr>
+        <p:blipFill rotWithShape="1">
+          <a:blip r:embed="rId5">
+            <a:extLst>
+              <a:ext uri="{28A0092B-C50C-407E-A947-70E740481C1C}">
+                <a14:useLocalDpi xmlns:a14="http://schemas.microsoft.com/office/drawing/2010/main" val="0"/>
+              </a:ext>
+            </a:extLst>
+          </a:blip>
+          <a:srcRect r="76862"/>
+          <a:stretch/>
+        </p:blipFill>
+        <p:spPr>
+          <a:xfrm>
+            <a:off x="4829026" y="6331613"/>
+            <a:ext cx="381020" cy="441516"/>
+          </a:xfrm>
+          <a:prstGeom prst="rect">
+            <a:avLst/>
+          </a:prstGeom>
+        </p:spPr>
+      </p:pic>
+      <p:sp>
+        <p:nvSpPr>
+          <p:cNvPr id="41" name="TextBox 40"/>
+          <p:cNvSpPr txBox="1"/>
+          <p:nvPr/>
+        </p:nvSpPr>
+        <p:spPr>
+          <a:xfrm>
+            <a:off x="1995631" y="3023911"/>
+            <a:ext cx="2476051" cy="1384995"/>
+          </a:xfrm>
+          <a:prstGeom prst="rect">
+            <a:avLst/>
+          </a:prstGeom>
+          <a:noFill/>
+        </p:spPr>
+        <p:txBody>
+          <a:bodyPr wrap="square" rtlCol="0">
+            <a:spAutoFit/>
+          </a:bodyPr>
+          <a:lstStyle/>
+          <a:p>
+            <a:pPr algn="ctr"/>
+            <a:r>
+              <a:rPr lang="en-GB" sz="2800" b="1" dirty="0" smtClean="0"/>
+              <a:t/>
+            </a:r>
+            <a:br>
+              <a:rPr lang="en-GB" sz="2800" b="1" dirty="0" smtClean="0"/>
+            </a:br>
+            <a:r>
+              <a:rPr lang="en-GB" sz="2800" b="1" dirty="0" smtClean="0"/>
+              <a:t/>
+            </a:r>
+            <a:br>
+              <a:rPr lang="en-GB" sz="2800" b="1" dirty="0" smtClean="0"/>
+            </a:br>
+            <a:r>
+              <a:rPr lang="en-GB" sz="2800" b="1" dirty="0" smtClean="0"/>
+              <a:t>C</a:t>
+            </a:r>
+          </a:p>
+        </p:txBody>
+      </p:sp>
+      <p:sp>
+        <p:nvSpPr>
+          <p:cNvPr id="42" name="TextBox 41"/>
+          <p:cNvSpPr txBox="1"/>
+          <p:nvPr/>
+        </p:nvSpPr>
+        <p:spPr>
+          <a:xfrm>
+            <a:off x="6347821" y="3399316"/>
+            <a:ext cx="2476051" cy="954107"/>
+          </a:xfrm>
+          <a:prstGeom prst="rect">
+            <a:avLst/>
+          </a:prstGeom>
+          <a:noFill/>
+        </p:spPr>
+        <p:txBody>
+          <a:bodyPr wrap="square" rtlCol="0">
+            <a:spAutoFit/>
+          </a:bodyPr>
+          <a:lstStyle/>
+          <a:p>
+            <a:pPr algn="ctr"/>
+            <a:r>
+              <a:rPr lang="en-GB" sz="2800" b="1" dirty="0" smtClean="0"/>
+              <a:t/>
+            </a:r>
+            <a:br>
+              <a:rPr lang="en-GB" sz="2800" b="1" dirty="0" smtClean="0"/>
+            </a:br>
+            <a:r>
+              <a:rPr lang="en-GB" sz="2800" b="1" dirty="0" smtClean="0"/>
+              <a:t>R</a:t>
+            </a:r>
+          </a:p>
+        </p:txBody>
+      </p:sp>
+      <p:sp>
+        <p:nvSpPr>
+          <p:cNvPr id="43" name="Arc 42"/>
+          <p:cNvSpPr/>
+          <p:nvPr/>
+        </p:nvSpPr>
+        <p:spPr>
+          <a:xfrm>
+            <a:off x="7489028" y="3087023"/>
+            <a:ext cx="2414440" cy="2496039"/>
+          </a:xfrm>
+          <a:prstGeom prst="arc">
+            <a:avLst>
+              <a:gd name="adj1" fmla="val 12403855"/>
+              <a:gd name="adj2" fmla="val 0"/>
+            </a:avLst>
+          </a:prstGeom>
+          <a:ln w="76200">
+            <a:headEnd type="arrow" w="med" len="med"/>
+            <a:tailEnd type="none" w="med" len="med"/>
+          </a:ln>
+        </p:spPr>
+        <p:style>
+          <a:lnRef idx="1">
+            <a:schemeClr val="accent3"/>
+          </a:lnRef>
+          <a:fillRef idx="0">
+            <a:schemeClr val="accent3"/>
+          </a:fillRef>
+          <a:effectRef idx="0">
+            <a:schemeClr val="accent3"/>
+          </a:effectRef>
+          <a:fontRef idx="minor">
+            <a:schemeClr val="tx1"/>
+          </a:fontRef>
+        </p:style>
+        <p:txBody>
+          <a:bodyPr rtlCol="0" anchor="ctr"/>
+          <a:lstStyle/>
+          <a:p>
+            <a:pPr algn="ctr"/>
+            <a:endParaRPr lang="en-GB"/>
+          </a:p>
+        </p:txBody>
+      </p:sp>
+      <p:sp>
+        <p:nvSpPr>
+          <p:cNvPr id="44" name="Arc 43"/>
+          <p:cNvSpPr/>
+          <p:nvPr/>
+        </p:nvSpPr>
+        <p:spPr>
+          <a:xfrm>
+            <a:off x="3136838" y="2155595"/>
+            <a:ext cx="6766630" cy="4337346"/>
+          </a:xfrm>
+          <a:prstGeom prst="arc">
+            <a:avLst>
+              <a:gd name="adj1" fmla="val 11407860"/>
+              <a:gd name="adj2" fmla="val 0"/>
+            </a:avLst>
+          </a:prstGeom>
+          <a:ln w="76200">
+            <a:headEnd type="arrow" w="med" len="med"/>
+            <a:tailEnd type="none" w="med" len="med"/>
+          </a:ln>
+        </p:spPr>
+        <p:style>
+          <a:lnRef idx="1">
+            <a:schemeClr val="accent3"/>
+          </a:lnRef>
+          <a:fillRef idx="0">
+            <a:schemeClr val="accent3"/>
+          </a:fillRef>
+          <a:effectRef idx="0">
+            <a:schemeClr val="accent3"/>
+          </a:effectRef>
+          <a:fontRef idx="minor">
+            <a:schemeClr val="tx1"/>
+          </a:fontRef>
+        </p:style>
+        <p:txBody>
+          <a:bodyPr rtlCol="0" anchor="ctr"/>
+          <a:lstStyle/>
+          <a:p>
+            <a:pPr algn="ctr"/>
+            <a:endParaRPr lang="en-GB"/>
+          </a:p>
+        </p:txBody>
+      </p:sp>
+      <p:pic>
+        <p:nvPicPr>
+          <p:cNvPr id="45" name="Afbeelding 3"/>
+          <p:cNvPicPr>
+            <a:picLocks noChangeAspect="1"/>
+          </p:cNvPicPr>
+          <p:nvPr/>
+        </p:nvPicPr>
+        <p:blipFill rotWithShape="1">
+          <a:blip r:embed="rId4" cstate="print">
+            <a:extLst>
+              <a:ext uri="{28A0092B-C50C-407E-A947-70E740481C1C}">
+                <a14:useLocalDpi xmlns:a14="http://schemas.microsoft.com/office/drawing/2010/main" val="0"/>
+              </a:ext>
+            </a:extLst>
+          </a:blip>
+          <a:srcRect l="37408" t="87495" r="56759" b="7973"/>
+          <a:stretch/>
+        </p:blipFill>
+        <p:spPr>
+          <a:xfrm>
+            <a:off x="4663936" y="6176244"/>
+            <a:ext cx="711200" cy="310739"/>
+          </a:xfrm>
+          <a:prstGeom prst="rect">
+            <a:avLst/>
+          </a:prstGeom>
+        </p:spPr>
+      </p:pic>
+      <p:pic>
+        <p:nvPicPr>
+          <p:cNvPr id="46" name="Picture 45"/>
+          <p:cNvPicPr>
+            <a:picLocks noChangeAspect="1"/>
+          </p:cNvPicPr>
+          <p:nvPr/>
+        </p:nvPicPr>
+        <p:blipFill>
+          <a:blip r:embed="rId6">
+            <a:extLst>
+              <a:ext uri="{28A0092B-C50C-407E-A947-70E740481C1C}">
+                <a14:useLocalDpi xmlns:a14="http://schemas.microsoft.com/office/drawing/2010/main" val="0"/>
+              </a:ext>
+            </a:extLst>
+          </a:blip>
+          <a:stretch>
+            <a:fillRect/>
+          </a:stretch>
+        </p:blipFill>
+        <p:spPr>
+          <a:xfrm>
+            <a:off x="7111620" y="5018831"/>
+            <a:ext cx="2300046" cy="697978"/>
+          </a:xfrm>
+          <a:prstGeom prst="rect">
+            <a:avLst/>
+          </a:prstGeom>
+          <a:solidFill>
+            <a:schemeClr val="accent2">
+              <a:lumMod val="20000"/>
+              <a:lumOff val="80000"/>
+            </a:schemeClr>
+          </a:solidFill>
+        </p:spPr>
+      </p:pic>
+      <p:pic>
+        <p:nvPicPr>
+          <p:cNvPr id="47" name="Picture 46"/>
+          <p:cNvPicPr>
+            <a:picLocks noChangeAspect="1"/>
+          </p:cNvPicPr>
+          <p:nvPr/>
+        </p:nvPicPr>
+        <p:blipFill>
+          <a:blip r:embed="rId7">
+            <a:extLst>
+              <a:ext uri="{28A0092B-C50C-407E-A947-70E740481C1C}">
+                <a14:useLocalDpi xmlns:a14="http://schemas.microsoft.com/office/drawing/2010/main" val="0"/>
+              </a:ext>
+            </a:extLst>
+          </a:blip>
+          <a:stretch>
+            <a:fillRect/>
+          </a:stretch>
+        </p:blipFill>
+        <p:spPr>
+          <a:xfrm>
+            <a:off x="193092" y="5052467"/>
+            <a:ext cx="3189566" cy="656987"/>
+          </a:xfrm>
+          <a:prstGeom prst="rect">
+            <a:avLst/>
+          </a:prstGeom>
+          <a:solidFill>
+            <a:schemeClr val="accent1">
+              <a:lumMod val="20000"/>
+              <a:lumOff val="80000"/>
+            </a:schemeClr>
+          </a:solidFill>
+        </p:spPr>
+      </p:pic>
+      <p:pic>
+        <p:nvPicPr>
+          <p:cNvPr id="31" name="Picture 30"/>
+          <p:cNvPicPr>
+            <a:picLocks noChangeAspect="1"/>
+          </p:cNvPicPr>
+          <p:nvPr/>
+        </p:nvPicPr>
+        <p:blipFill>
+          <a:blip r:embed="rId8" cstate="print">
+            <a:extLst>
+              <a:ext uri="{28A0092B-C50C-407E-A947-70E740481C1C}">
+                <a14:useLocalDpi xmlns:a14="http://schemas.microsoft.com/office/drawing/2010/main" val="0"/>
+              </a:ext>
+            </a:extLst>
+          </a:blip>
+          <a:stretch>
+            <a:fillRect/>
+          </a:stretch>
+        </p:blipFill>
+        <p:spPr>
+          <a:xfrm>
+            <a:off x="4207079" y="5397509"/>
+            <a:ext cx="1855001" cy="313182"/>
+          </a:xfrm>
+          <a:prstGeom prst="rect">
+            <a:avLst/>
+          </a:prstGeom>
+          <a:solidFill>
+            <a:schemeClr val="accent3">
+              <a:lumMod val="60000"/>
+              <a:lumOff val="40000"/>
+            </a:schemeClr>
+          </a:solidFill>
+        </p:spPr>
+      </p:pic>
+      <p:pic>
+        <p:nvPicPr>
+          <p:cNvPr id="50" name="Afbeelding 108"/>
+          <p:cNvPicPr>
+            <a:picLocks noChangeAspect="1"/>
+          </p:cNvPicPr>
+          <p:nvPr/>
+        </p:nvPicPr>
+        <p:blipFill>
+          <a:blip r:embed="rId9">
+            <a:extLst>
+              <a:ext uri="{28A0092B-C50C-407E-A947-70E740481C1C}">
+                <a14:useLocalDpi xmlns:a14="http://schemas.microsoft.com/office/drawing/2010/main" val="0"/>
+              </a:ext>
+            </a:extLst>
+          </a:blip>
+          <a:stretch>
+            <a:fillRect/>
+          </a:stretch>
+        </p:blipFill>
+        <p:spPr>
+          <a:xfrm rot="21396714">
+            <a:off x="10195223" y="2187982"/>
+            <a:ext cx="938381" cy="1014983"/>
+          </a:xfrm>
+          <a:prstGeom prst="rect">
+            <a:avLst/>
+          </a:prstGeom>
+        </p:spPr>
+      </p:pic>
+      <p:sp>
+        <p:nvSpPr>
+          <p:cNvPr id="51" name="Arc 50"/>
+          <p:cNvSpPr/>
+          <p:nvPr/>
+        </p:nvSpPr>
+        <p:spPr>
+          <a:xfrm rot="5575326">
+            <a:off x="8550239" y="2684566"/>
+            <a:ext cx="3323174" cy="3374850"/>
+          </a:xfrm>
+          <a:prstGeom prst="arc">
+            <a:avLst>
+              <a:gd name="adj1" fmla="val 12888808"/>
+              <a:gd name="adj2" fmla="val 21104324"/>
+            </a:avLst>
+          </a:prstGeom>
+          <a:ln w="76200">
+            <a:solidFill>
+              <a:srgbClr val="7030A0"/>
+            </a:solidFill>
+            <a:headEnd type="triangle" w="med" len="med"/>
+            <a:tailEnd type="none" w="med" len="med"/>
+          </a:ln>
+        </p:spPr>
+        <p:style>
+          <a:lnRef idx="1">
+            <a:schemeClr val="accent1"/>
+          </a:lnRef>
+          <a:fillRef idx="0">
+            <a:schemeClr val="accent1"/>
+          </a:fillRef>
+          <a:effectRef idx="0">
+            <a:schemeClr val="accent1"/>
+          </a:effectRef>
+          <a:fontRef idx="minor">
+            <a:schemeClr val="tx1"/>
+          </a:fontRef>
+        </p:style>
+        <p:txBody>
+          <a:bodyPr rtlCol="0" anchor="ctr"/>
+          <a:lstStyle/>
+          <a:p>
+            <a:pPr algn="ctr"/>
+            <a:endParaRPr lang="en-GB"/>
+          </a:p>
+        </p:txBody>
+      </p:sp>
+      <p:pic>
+        <p:nvPicPr>
+          <p:cNvPr id="52" name="Picture 51"/>
+          <p:cNvPicPr>
+            <a:picLocks noChangeAspect="1"/>
+          </p:cNvPicPr>
+          <p:nvPr/>
+        </p:nvPicPr>
+        <p:blipFill>
+          <a:blip r:embed="rId10">
+            <a:extLst>
+              <a:ext uri="{28A0092B-C50C-407E-A947-70E740481C1C}">
+                <a14:useLocalDpi xmlns:a14="http://schemas.microsoft.com/office/drawing/2010/main" val="0"/>
+              </a:ext>
+            </a:extLst>
+          </a:blip>
+          <a:stretch>
+            <a:fillRect/>
+          </a:stretch>
+        </p:blipFill>
+        <p:spPr>
+          <a:xfrm>
+            <a:off x="9431148" y="1581278"/>
+            <a:ext cx="2466529" cy="326889"/>
+          </a:xfrm>
+          <a:prstGeom prst="rect">
+            <a:avLst/>
+          </a:prstGeom>
+          <a:solidFill>
+            <a:srgbClr val="C198E0"/>
+          </a:solidFill>
+        </p:spPr>
+      </p:pic>
+      <p:sp>
+        <p:nvSpPr>
+          <p:cNvPr id="53" name="Arc 52"/>
+          <p:cNvSpPr/>
+          <p:nvPr/>
+        </p:nvSpPr>
+        <p:spPr>
+          <a:xfrm rot="10444609" flipH="1" flipV="1">
+            <a:off x="8091797" y="2034101"/>
+            <a:ext cx="2117860" cy="1322742"/>
+          </a:xfrm>
+          <a:prstGeom prst="arc">
+            <a:avLst>
+              <a:gd name="adj1" fmla="val 12034906"/>
+              <a:gd name="adj2" fmla="val 20147782"/>
+            </a:avLst>
+          </a:prstGeom>
+          <a:ln w="76200">
+            <a:solidFill>
+              <a:srgbClr val="7030A0"/>
+            </a:solidFill>
+            <a:headEnd type="triangle" w="med" len="med"/>
+            <a:tailEnd type="none" w="med" len="med"/>
+          </a:ln>
+        </p:spPr>
+        <p:style>
+          <a:lnRef idx="1">
+            <a:schemeClr val="accent1"/>
+          </a:lnRef>
+          <a:fillRef idx="0">
+            <a:schemeClr val="accent1"/>
+          </a:fillRef>
+          <a:effectRef idx="0">
+            <a:schemeClr val="accent1"/>
+          </a:effectRef>
+          <a:fontRef idx="minor">
+            <a:schemeClr val="tx1"/>
+          </a:fontRef>
+        </p:style>
+        <p:txBody>
+          <a:bodyPr rtlCol="0" anchor="ctr"/>
+          <a:lstStyle/>
+          <a:p>
+            <a:pPr algn="ctr"/>
+            <a:endParaRPr lang="en-GB"/>
+          </a:p>
+        </p:txBody>
+      </p:sp>
+      <p:sp>
+        <p:nvSpPr>
+          <p:cNvPr id="54" name="Arc 53"/>
+          <p:cNvSpPr/>
+          <p:nvPr/>
+        </p:nvSpPr>
+        <p:spPr>
+          <a:xfrm rot="9344871" flipH="1" flipV="1">
+            <a:off x="8312625" y="2584908"/>
+            <a:ext cx="2117860" cy="1322742"/>
+          </a:xfrm>
+          <a:prstGeom prst="arc">
+            <a:avLst>
+              <a:gd name="adj1" fmla="val 12888808"/>
+              <a:gd name="adj2" fmla="val 20147782"/>
+            </a:avLst>
+          </a:prstGeom>
+          <a:ln w="76200">
+            <a:solidFill>
+              <a:srgbClr val="7030A0"/>
+            </a:solidFill>
+            <a:headEnd type="none" w="med" len="med"/>
+            <a:tailEnd type="none" w="med" len="med"/>
+          </a:ln>
+        </p:spPr>
+        <p:style>
+          <a:lnRef idx="1">
+            <a:schemeClr val="accent1"/>
+          </a:lnRef>
+          <a:fillRef idx="0">
+            <a:schemeClr val="accent1"/>
+          </a:fillRef>
+          <a:effectRef idx="0">
+            <a:schemeClr val="accent1"/>
+          </a:effectRef>
+          <a:fontRef idx="minor">
+            <a:schemeClr val="tx1"/>
+          </a:fontRef>
+        </p:style>
+        <p:txBody>
+          <a:bodyPr rtlCol="0" anchor="ctr"/>
+          <a:lstStyle/>
+          <a:p>
+            <a:pPr algn="ctr"/>
+            <a:endParaRPr lang="en-GB"/>
+          </a:p>
+        </p:txBody>
+      </p:sp>
+      <p:cxnSp>
+        <p:nvCxnSpPr>
+          <p:cNvPr id="55" name="Straight Connector 54"/>
+          <p:cNvCxnSpPr/>
+          <p:nvPr/>
+        </p:nvCxnSpPr>
+        <p:spPr>
+          <a:xfrm>
+            <a:off x="8374156" y="3033283"/>
+            <a:ext cx="263063" cy="154585"/>
+          </a:xfrm>
+          <a:prstGeom prst="line">
+            <a:avLst/>
+          </a:prstGeom>
+          <a:ln w="76200">
+            <a:solidFill>
+              <a:srgbClr val="7030A0"/>
+            </a:solidFill>
+          </a:ln>
+        </p:spPr>
+        <p:style>
+          <a:lnRef idx="1">
+            <a:schemeClr val="accent1"/>
+          </a:lnRef>
+          <a:fillRef idx="0">
+            <a:schemeClr val="accent1"/>
+          </a:fillRef>
+          <a:effectRef idx="0">
+            <a:schemeClr val="accent1"/>
+          </a:effectRef>
+          <a:fontRef idx="minor">
+            <a:schemeClr val="tx1"/>
+          </a:fontRef>
+        </p:style>
+      </p:cxnSp>
+      <p:pic>
+        <p:nvPicPr>
+          <p:cNvPr id="56" name="Picture 2" descr="https://latex.codecogs.com/png.latex?%5Cdpi%7B300%7D%20%5Chuge%20%5Cfrac%7BdR%7D%7Bdt%7D%5Cpropto%20%5Cfrac%7B1%7D%7BppGpp%7D"/>
+          <p:cNvPicPr>
+            <a:picLocks noChangeAspect="1" noChangeArrowheads="1"/>
+          </p:cNvPicPr>
+          <p:nvPr/>
+        </p:nvPicPr>
+        <p:blipFill>
+          <a:blip r:embed="rId11" cstate="print">
+            <a:extLst>
+              <a:ext uri="{28A0092B-C50C-407E-A947-70E740481C1C}">
+                <a14:useLocalDpi xmlns:a14="http://schemas.microsoft.com/office/drawing/2010/main" val="0"/>
+              </a:ext>
+            </a:extLst>
+          </a:blip>
+          <a:srcRect/>
+          <a:stretch>
+            <a:fillRect/>
+          </a:stretch>
+        </p:blipFill>
+        <p:spPr bwMode="auto">
+          <a:xfrm>
+            <a:off x="5921084" y="2486724"/>
+            <a:ext cx="1828800" cy="759555"/>
+          </a:xfrm>
+          <a:prstGeom prst="rect">
+            <a:avLst/>
+          </a:prstGeom>
+          <a:solidFill>
+            <a:srgbClr val="C198E0"/>
+          </a:solidFill>
+        </p:spPr>
+      </p:pic>
+      <p:sp>
+        <p:nvSpPr>
+          <p:cNvPr id="57" name="TextBox 56"/>
+          <p:cNvSpPr txBox="1"/>
+          <p:nvPr/>
+        </p:nvSpPr>
+        <p:spPr>
+          <a:xfrm>
+            <a:off x="8329106" y="5763632"/>
+            <a:ext cx="2476051" cy="954107"/>
+          </a:xfrm>
+          <a:prstGeom prst="rect">
+            <a:avLst/>
+          </a:prstGeom>
+          <a:noFill/>
+        </p:spPr>
+        <p:txBody>
+          <a:bodyPr wrap="square" rtlCol="0">
+            <a:spAutoFit/>
+          </a:bodyPr>
+          <a:lstStyle/>
+          <a:p>
+            <a:pPr algn="ctr"/>
+            <a:r>
+              <a:rPr lang="en-GB" sz="2800" b="1" dirty="0" smtClean="0"/>
+              <a:t>Inactive ribosomes</a:t>
+            </a:r>
+          </a:p>
+        </p:txBody>
+      </p:sp>
+    </p:spTree>
+    <p:extLst>
+      <p:ext uri="{BB962C8B-B14F-4D97-AF65-F5344CB8AC3E}">
+        <p14:creationId xmlns:p14="http://schemas.microsoft.com/office/powerpoint/2010/main" val="4025149975"/>
+      </p:ext>
+    </p:extLst>
+  </p:cSld>
+  <p:clrMapOvr>
+    <a:masterClrMapping/>
+  </p:clrMapOvr>
+  <p:timing>
+    <p:tnLst>
+      <p:par>
+        <p:cTn id="1" dur="indefinite" restart="never" nodeType="tmRoot"/>
+      </p:par>
+    </p:tnLst>
+  </p:timing>
+</p:sld>
+</file>
+
 <file path=ppt/theme/theme1.xml><?xml version="1.0" encoding="utf-8"?>
 <a:theme xmlns:a="http://schemas.openxmlformats.org/drawingml/2006/main" name="Office Theme">
   <a:themeElements>
